--- a/slides/01.History&Works/01-History-Works.pptx
+++ b/slides/01.History&Works/01-History-Works.pptx
@@ -439,6 +439,356 @@
 </p:sldLayout>
 </file>
 
+<file path=ppt/slideLayouts/slideLayout10.xml><?xml version="1.0" encoding="utf-8"?>
+<p:sldLayout xmlns:a="http://schemas.openxmlformats.org/drawingml/2006/main" xmlns:r="http://schemas.openxmlformats.org/officeDocument/2006/relationships" xmlns:p="http://schemas.openxmlformats.org/presentationml/2006/main" type="vertTx" preserve="1">
+  <p:cSld name="Title and Vertical Text">
+    <p:spTree>
+      <p:nvGrpSpPr>
+        <p:cNvPr id="1" name=""/>
+        <p:cNvGrpSpPr/>
+        <p:nvPr/>
+      </p:nvGrpSpPr>
+      <p:grpSpPr>
+        <a:xfrm>
+          <a:off x="0" y="0"/>
+          <a:ext cx="0" cy="0"/>
+          <a:chOff x="0" y="0"/>
+          <a:chExt cx="0" cy="0"/>
+        </a:xfrm>
+      </p:grpSpPr>
+      <p:sp>
+        <p:nvSpPr>
+          <p:cNvPr id="2" name="Title 1"/>
+          <p:cNvSpPr>
+            <a:spLocks noGrp="1"/>
+          </p:cNvSpPr>
+          <p:nvPr>
+            <p:ph type="title"/>
+          </p:nvPr>
+        </p:nvSpPr>
+        <p:spPr/>
+        <p:txBody>
+          <a:bodyPr/>
+          <a:lstStyle/>
+          <a:p>
+            <a:r>
+              <a:rPr lang="en-US" smtClean="0"/>
+              <a:t>Click to edit Master title style</a:t>
+            </a:r>
+            <a:endParaRPr lang="en-US"/>
+          </a:p>
+        </p:txBody>
+      </p:sp>
+      <p:sp>
+        <p:nvSpPr>
+          <p:cNvPr id="3" name="Vertical Text Placeholder 2"/>
+          <p:cNvSpPr>
+            <a:spLocks noGrp="1"/>
+          </p:cNvSpPr>
+          <p:nvPr>
+            <p:ph type="body" orient="vert" idx="1"/>
+          </p:nvPr>
+        </p:nvSpPr>
+        <p:spPr/>
+        <p:txBody>
+          <a:bodyPr vert="eaVert"/>
+          <a:lstStyle/>
+          <a:p>
+            <a:pPr lvl="0"/>
+            <a:r>
+              <a:rPr lang="en-US" smtClean="0"/>
+              <a:t>Click to edit Master text styles</a:t>
+            </a:r>
+          </a:p>
+          <a:p>
+            <a:pPr lvl="1"/>
+            <a:r>
+              <a:rPr lang="en-US" smtClean="0"/>
+              <a:t>Second level</a:t>
+            </a:r>
+          </a:p>
+          <a:p>
+            <a:pPr lvl="2"/>
+            <a:r>
+              <a:rPr lang="en-US" smtClean="0"/>
+              <a:t>Third level</a:t>
+            </a:r>
+          </a:p>
+          <a:p>
+            <a:pPr lvl="3"/>
+            <a:r>
+              <a:rPr lang="en-US" smtClean="0"/>
+              <a:t>Fourth level</a:t>
+            </a:r>
+          </a:p>
+          <a:p>
+            <a:pPr lvl="4"/>
+            <a:r>
+              <a:rPr lang="en-US" smtClean="0"/>
+              <a:t>Fifth level</a:t>
+            </a:r>
+            <a:endParaRPr lang="en-US"/>
+          </a:p>
+        </p:txBody>
+      </p:sp>
+      <p:sp>
+        <p:nvSpPr>
+          <p:cNvPr id="4" name="Date Placeholder 3"/>
+          <p:cNvSpPr>
+            <a:spLocks noGrp="1"/>
+          </p:cNvSpPr>
+          <p:nvPr>
+            <p:ph type="dt" sz="half" idx="10"/>
+          </p:nvPr>
+        </p:nvSpPr>
+        <p:spPr/>
+        <p:txBody>
+          <a:bodyPr/>
+          <a:lstStyle/>
+          <a:p>
+            <a:fld id="{241EB5C9-1307-BA42-ABA2-0BC069CD8E7F}" type="datetimeFigureOut">
+              <a:rPr lang="en-US" smtClean="0"/>
+              <a:t>4/5/2019</a:t>
+            </a:fld>
+            <a:endParaRPr lang="en-US"/>
+          </a:p>
+        </p:txBody>
+      </p:sp>
+      <p:sp>
+        <p:nvSpPr>
+          <p:cNvPr id="5" name="Footer Placeholder 4"/>
+          <p:cNvSpPr>
+            <a:spLocks noGrp="1"/>
+          </p:cNvSpPr>
+          <p:nvPr>
+            <p:ph type="ftr" sz="quarter" idx="11"/>
+          </p:nvPr>
+        </p:nvSpPr>
+        <p:spPr/>
+        <p:txBody>
+          <a:bodyPr/>
+          <a:lstStyle/>
+          <a:p>
+            <a:endParaRPr lang="en-US"/>
+          </a:p>
+        </p:txBody>
+      </p:sp>
+      <p:sp>
+        <p:nvSpPr>
+          <p:cNvPr id="6" name="Slide Number Placeholder 5"/>
+          <p:cNvSpPr>
+            <a:spLocks noGrp="1"/>
+          </p:cNvSpPr>
+          <p:nvPr>
+            <p:ph type="sldNum" sz="quarter" idx="12"/>
+          </p:nvPr>
+        </p:nvSpPr>
+        <p:spPr/>
+        <p:txBody>
+          <a:bodyPr/>
+          <a:lstStyle/>
+          <a:p>
+            <a:fld id="{C5EF2332-01BF-834F-8236-50238282D533}" type="slidenum">
+              <a:rPr lang="en-US" smtClean="0"/>
+              <a:t>‹#›</a:t>
+            </a:fld>
+            <a:endParaRPr lang="en-US"/>
+          </a:p>
+        </p:txBody>
+      </p:sp>
+    </p:spTree>
+    <p:extLst>
+      <p:ext uri="{BB962C8B-B14F-4D97-AF65-F5344CB8AC3E}">
+        <p14:creationId xmlns:p14="http://schemas.microsoft.com/office/powerpoint/2010/main" val="313914798"/>
+      </p:ext>
+    </p:extLst>
+  </p:cSld>
+  <p:clrMapOvr>
+    <a:masterClrMapping/>
+  </p:clrMapOvr>
+</p:sldLayout>
+</file>
+
+<file path=ppt/slideLayouts/slideLayout11.xml><?xml version="1.0" encoding="utf-8"?>
+<p:sldLayout xmlns:a="http://schemas.openxmlformats.org/drawingml/2006/main" xmlns:r="http://schemas.openxmlformats.org/officeDocument/2006/relationships" xmlns:p="http://schemas.openxmlformats.org/presentationml/2006/main" type="vertTitleAndTx" preserve="1">
+  <p:cSld name="Vertical Title and Text">
+    <p:spTree>
+      <p:nvGrpSpPr>
+        <p:cNvPr id="1" name=""/>
+        <p:cNvGrpSpPr/>
+        <p:nvPr/>
+      </p:nvGrpSpPr>
+      <p:grpSpPr>
+        <a:xfrm>
+          <a:off x="0" y="0"/>
+          <a:ext cx="0" cy="0"/>
+          <a:chOff x="0" y="0"/>
+          <a:chExt cx="0" cy="0"/>
+        </a:xfrm>
+      </p:grpSpPr>
+      <p:sp>
+        <p:nvSpPr>
+          <p:cNvPr id="2" name="Vertical Title 1"/>
+          <p:cNvSpPr>
+            <a:spLocks noGrp="1"/>
+          </p:cNvSpPr>
+          <p:nvPr>
+            <p:ph type="title" orient="vert"/>
+          </p:nvPr>
+        </p:nvSpPr>
+        <p:spPr>
+          <a:xfrm>
+            <a:off x="6629400" y="274638"/>
+            <a:ext cx="2057400" cy="5851525"/>
+          </a:xfrm>
+        </p:spPr>
+        <p:txBody>
+          <a:bodyPr vert="eaVert"/>
+          <a:lstStyle/>
+          <a:p>
+            <a:r>
+              <a:rPr lang="en-US" smtClean="0"/>
+              <a:t>Click to edit Master title style</a:t>
+            </a:r>
+            <a:endParaRPr lang="en-US"/>
+          </a:p>
+        </p:txBody>
+      </p:sp>
+      <p:sp>
+        <p:nvSpPr>
+          <p:cNvPr id="3" name="Vertical Text Placeholder 2"/>
+          <p:cNvSpPr>
+            <a:spLocks noGrp="1"/>
+          </p:cNvSpPr>
+          <p:nvPr>
+            <p:ph type="body" orient="vert" idx="1"/>
+          </p:nvPr>
+        </p:nvSpPr>
+        <p:spPr>
+          <a:xfrm>
+            <a:off x="457200" y="274638"/>
+            <a:ext cx="6019800" cy="5851525"/>
+          </a:xfrm>
+        </p:spPr>
+        <p:txBody>
+          <a:bodyPr vert="eaVert"/>
+          <a:lstStyle/>
+          <a:p>
+            <a:pPr lvl="0"/>
+            <a:r>
+              <a:rPr lang="en-US" smtClean="0"/>
+              <a:t>Click to edit Master text styles</a:t>
+            </a:r>
+          </a:p>
+          <a:p>
+            <a:pPr lvl="1"/>
+            <a:r>
+              <a:rPr lang="en-US" smtClean="0"/>
+              <a:t>Second level</a:t>
+            </a:r>
+          </a:p>
+          <a:p>
+            <a:pPr lvl="2"/>
+            <a:r>
+              <a:rPr lang="en-US" smtClean="0"/>
+              <a:t>Third level</a:t>
+            </a:r>
+          </a:p>
+          <a:p>
+            <a:pPr lvl="3"/>
+            <a:r>
+              <a:rPr lang="en-US" smtClean="0"/>
+              <a:t>Fourth level</a:t>
+            </a:r>
+          </a:p>
+          <a:p>
+            <a:pPr lvl="4"/>
+            <a:r>
+              <a:rPr lang="en-US" smtClean="0"/>
+              <a:t>Fifth level</a:t>
+            </a:r>
+            <a:endParaRPr lang="en-US"/>
+          </a:p>
+        </p:txBody>
+      </p:sp>
+      <p:sp>
+        <p:nvSpPr>
+          <p:cNvPr id="4" name="Date Placeholder 3"/>
+          <p:cNvSpPr>
+            <a:spLocks noGrp="1"/>
+          </p:cNvSpPr>
+          <p:nvPr>
+            <p:ph type="dt" sz="half" idx="10"/>
+          </p:nvPr>
+        </p:nvSpPr>
+        <p:spPr/>
+        <p:txBody>
+          <a:bodyPr/>
+          <a:lstStyle/>
+          <a:p>
+            <a:fld id="{241EB5C9-1307-BA42-ABA2-0BC069CD8E7F}" type="datetimeFigureOut">
+              <a:rPr lang="en-US" smtClean="0"/>
+              <a:t>4/5/2019</a:t>
+            </a:fld>
+            <a:endParaRPr lang="en-US"/>
+          </a:p>
+        </p:txBody>
+      </p:sp>
+      <p:sp>
+        <p:nvSpPr>
+          <p:cNvPr id="5" name="Footer Placeholder 4"/>
+          <p:cNvSpPr>
+            <a:spLocks noGrp="1"/>
+          </p:cNvSpPr>
+          <p:nvPr>
+            <p:ph type="ftr" sz="quarter" idx="11"/>
+          </p:nvPr>
+        </p:nvSpPr>
+        <p:spPr/>
+        <p:txBody>
+          <a:bodyPr/>
+          <a:lstStyle/>
+          <a:p>
+            <a:endParaRPr lang="en-US"/>
+          </a:p>
+        </p:txBody>
+      </p:sp>
+      <p:sp>
+        <p:nvSpPr>
+          <p:cNvPr id="6" name="Slide Number Placeholder 5"/>
+          <p:cNvSpPr>
+            <a:spLocks noGrp="1"/>
+          </p:cNvSpPr>
+          <p:nvPr>
+            <p:ph type="sldNum" sz="quarter" idx="12"/>
+          </p:nvPr>
+        </p:nvSpPr>
+        <p:spPr/>
+        <p:txBody>
+          <a:bodyPr/>
+          <a:lstStyle/>
+          <a:p>
+            <a:fld id="{C5EF2332-01BF-834F-8236-50238282D533}" type="slidenum">
+              <a:rPr lang="en-US" smtClean="0"/>
+              <a:t>‹#›</a:t>
+            </a:fld>
+            <a:endParaRPr lang="en-US"/>
+          </a:p>
+        </p:txBody>
+      </p:sp>
+    </p:spTree>
+    <p:extLst>
+      <p:ext uri="{BB962C8B-B14F-4D97-AF65-F5344CB8AC3E}">
+        <p14:creationId xmlns:p14="http://schemas.microsoft.com/office/powerpoint/2010/main" val="2581529045"/>
+      </p:ext>
+    </p:extLst>
+  </p:cSld>
+  <p:clrMapOvr>
+    <a:masterClrMapping/>
+  </p:clrMapOvr>
+</p:sldLayout>
+</file>
+
 <file path=ppt/slideLayouts/slideLayout2.xml><?xml version="1.0" encoding="utf-8"?>
 <p:sldLayout xmlns:a="http://schemas.openxmlformats.org/drawingml/2006/main" xmlns:r="http://schemas.openxmlformats.org/officeDocument/2006/relationships" xmlns:p="http://schemas.openxmlformats.org/presentationml/2006/main" preserve="1" userDrawn="1">
   <p:cSld name="Title and Content">
@@ -584,8 +934,8 @@
         </p:nvSpPr>
         <p:spPr>
           <a:xfrm>
-            <a:off x="838199" y="362260"/>
-            <a:ext cx="6304722" cy="637553"/>
+            <a:off x="838198" y="362260"/>
+            <a:ext cx="8486957" cy="637553"/>
           </a:xfrm>
         </p:spPr>
         <p:txBody>
@@ -1672,6 +2022,1171 @@
         </p:txBody>
       </p:sp>
     </p:spTree>
+  </p:cSld>
+  <p:clrMapOvr>
+    <a:masterClrMapping/>
+  </p:clrMapOvr>
+</p:sldLayout>
+</file>
+
+<file path=ppt/slideLayouts/slideLayout5.xml><?xml version="1.0" encoding="utf-8"?>
+<p:sldLayout xmlns:a="http://schemas.openxmlformats.org/drawingml/2006/main" xmlns:r="http://schemas.openxmlformats.org/officeDocument/2006/relationships" xmlns:p="http://schemas.openxmlformats.org/presentationml/2006/main" type="twoTxTwoObj" preserve="1">
+  <p:cSld name="Comparison">
+    <p:spTree>
+      <p:nvGrpSpPr>
+        <p:cNvPr id="1" name=""/>
+        <p:cNvGrpSpPr/>
+        <p:nvPr/>
+      </p:nvGrpSpPr>
+      <p:grpSpPr>
+        <a:xfrm>
+          <a:off x="0" y="0"/>
+          <a:ext cx="0" cy="0"/>
+          <a:chOff x="0" y="0"/>
+          <a:chExt cx="0" cy="0"/>
+        </a:xfrm>
+      </p:grpSpPr>
+      <p:sp>
+        <p:nvSpPr>
+          <p:cNvPr id="2" name="Title 1"/>
+          <p:cNvSpPr>
+            <a:spLocks noGrp="1"/>
+          </p:cNvSpPr>
+          <p:nvPr>
+            <p:ph type="title"/>
+          </p:nvPr>
+        </p:nvSpPr>
+        <p:spPr/>
+        <p:txBody>
+          <a:bodyPr/>
+          <a:lstStyle>
+            <a:lvl1pPr>
+              <a:defRPr/>
+            </a:lvl1pPr>
+          </a:lstStyle>
+          <a:p>
+            <a:r>
+              <a:rPr lang="en-US" smtClean="0"/>
+              <a:t>Click to edit Master title style</a:t>
+            </a:r>
+            <a:endParaRPr lang="en-US"/>
+          </a:p>
+        </p:txBody>
+      </p:sp>
+      <p:sp>
+        <p:nvSpPr>
+          <p:cNvPr id="3" name="Text Placeholder 2"/>
+          <p:cNvSpPr>
+            <a:spLocks noGrp="1"/>
+          </p:cNvSpPr>
+          <p:nvPr>
+            <p:ph type="body" idx="1"/>
+          </p:nvPr>
+        </p:nvSpPr>
+        <p:spPr>
+          <a:xfrm>
+            <a:off x="457200" y="1535113"/>
+            <a:ext cx="4040188" cy="639762"/>
+          </a:xfrm>
+        </p:spPr>
+        <p:txBody>
+          <a:bodyPr anchor="b"/>
+          <a:lstStyle>
+            <a:lvl1pPr marL="0" indent="0">
+              <a:buNone/>
+              <a:defRPr sz="2400" b="1"/>
+            </a:lvl1pPr>
+            <a:lvl2pPr marL="457200" indent="0">
+              <a:buNone/>
+              <a:defRPr sz="2000" b="1"/>
+            </a:lvl2pPr>
+            <a:lvl3pPr marL="914400" indent="0">
+              <a:buNone/>
+              <a:defRPr sz="1800" b="1"/>
+            </a:lvl3pPr>
+            <a:lvl4pPr marL="1371600" indent="0">
+              <a:buNone/>
+              <a:defRPr sz="1600" b="1"/>
+            </a:lvl4pPr>
+            <a:lvl5pPr marL="1828800" indent="0">
+              <a:buNone/>
+              <a:defRPr sz="1600" b="1"/>
+            </a:lvl5pPr>
+            <a:lvl6pPr marL="2286000" indent="0">
+              <a:buNone/>
+              <a:defRPr sz="1600" b="1"/>
+            </a:lvl6pPr>
+            <a:lvl7pPr marL="2743200" indent="0">
+              <a:buNone/>
+              <a:defRPr sz="1600" b="1"/>
+            </a:lvl7pPr>
+            <a:lvl8pPr marL="3200400" indent="0">
+              <a:buNone/>
+              <a:defRPr sz="1600" b="1"/>
+            </a:lvl8pPr>
+            <a:lvl9pPr marL="3657600" indent="0">
+              <a:buNone/>
+              <a:defRPr sz="1600" b="1"/>
+            </a:lvl9pPr>
+          </a:lstStyle>
+          <a:p>
+            <a:pPr lvl="0"/>
+            <a:r>
+              <a:rPr lang="en-US" smtClean="0"/>
+              <a:t>Click to edit Master text styles</a:t>
+            </a:r>
+          </a:p>
+        </p:txBody>
+      </p:sp>
+      <p:sp>
+        <p:nvSpPr>
+          <p:cNvPr id="4" name="Content Placeholder 3"/>
+          <p:cNvSpPr>
+            <a:spLocks noGrp="1"/>
+          </p:cNvSpPr>
+          <p:nvPr>
+            <p:ph sz="half" idx="2"/>
+          </p:nvPr>
+        </p:nvSpPr>
+        <p:spPr>
+          <a:xfrm>
+            <a:off x="457200" y="2174875"/>
+            <a:ext cx="4040188" cy="3951288"/>
+          </a:xfrm>
+        </p:spPr>
+        <p:txBody>
+          <a:bodyPr/>
+          <a:lstStyle>
+            <a:lvl1pPr>
+              <a:defRPr sz="2400"/>
+            </a:lvl1pPr>
+            <a:lvl2pPr>
+              <a:defRPr sz="2000"/>
+            </a:lvl2pPr>
+            <a:lvl3pPr>
+              <a:defRPr sz="1800"/>
+            </a:lvl3pPr>
+            <a:lvl4pPr>
+              <a:defRPr sz="1600"/>
+            </a:lvl4pPr>
+            <a:lvl5pPr>
+              <a:defRPr sz="1600"/>
+            </a:lvl5pPr>
+            <a:lvl6pPr>
+              <a:defRPr sz="1600"/>
+            </a:lvl6pPr>
+            <a:lvl7pPr>
+              <a:defRPr sz="1600"/>
+            </a:lvl7pPr>
+            <a:lvl8pPr>
+              <a:defRPr sz="1600"/>
+            </a:lvl8pPr>
+            <a:lvl9pPr>
+              <a:defRPr sz="1600"/>
+            </a:lvl9pPr>
+          </a:lstStyle>
+          <a:p>
+            <a:pPr lvl="0"/>
+            <a:r>
+              <a:rPr lang="en-US" smtClean="0"/>
+              <a:t>Click to edit Master text styles</a:t>
+            </a:r>
+          </a:p>
+          <a:p>
+            <a:pPr lvl="1"/>
+            <a:r>
+              <a:rPr lang="en-US" smtClean="0"/>
+              <a:t>Second level</a:t>
+            </a:r>
+          </a:p>
+          <a:p>
+            <a:pPr lvl="2"/>
+            <a:r>
+              <a:rPr lang="en-US" smtClean="0"/>
+              <a:t>Third level</a:t>
+            </a:r>
+          </a:p>
+          <a:p>
+            <a:pPr lvl="3"/>
+            <a:r>
+              <a:rPr lang="en-US" smtClean="0"/>
+              <a:t>Fourth level</a:t>
+            </a:r>
+          </a:p>
+          <a:p>
+            <a:pPr lvl="4"/>
+            <a:r>
+              <a:rPr lang="en-US" smtClean="0"/>
+              <a:t>Fifth level</a:t>
+            </a:r>
+            <a:endParaRPr lang="en-US"/>
+          </a:p>
+        </p:txBody>
+      </p:sp>
+      <p:sp>
+        <p:nvSpPr>
+          <p:cNvPr id="5" name="Text Placeholder 4"/>
+          <p:cNvSpPr>
+            <a:spLocks noGrp="1"/>
+          </p:cNvSpPr>
+          <p:nvPr>
+            <p:ph type="body" sz="quarter" idx="3"/>
+          </p:nvPr>
+        </p:nvSpPr>
+        <p:spPr>
+          <a:xfrm>
+            <a:off x="4645025" y="1535113"/>
+            <a:ext cx="4041775" cy="639762"/>
+          </a:xfrm>
+        </p:spPr>
+        <p:txBody>
+          <a:bodyPr anchor="b"/>
+          <a:lstStyle>
+            <a:lvl1pPr marL="0" indent="0">
+              <a:buNone/>
+              <a:defRPr sz="2400" b="1"/>
+            </a:lvl1pPr>
+            <a:lvl2pPr marL="457200" indent="0">
+              <a:buNone/>
+              <a:defRPr sz="2000" b="1"/>
+            </a:lvl2pPr>
+            <a:lvl3pPr marL="914400" indent="0">
+              <a:buNone/>
+              <a:defRPr sz="1800" b="1"/>
+            </a:lvl3pPr>
+            <a:lvl4pPr marL="1371600" indent="0">
+              <a:buNone/>
+              <a:defRPr sz="1600" b="1"/>
+            </a:lvl4pPr>
+            <a:lvl5pPr marL="1828800" indent="0">
+              <a:buNone/>
+              <a:defRPr sz="1600" b="1"/>
+            </a:lvl5pPr>
+            <a:lvl6pPr marL="2286000" indent="0">
+              <a:buNone/>
+              <a:defRPr sz="1600" b="1"/>
+            </a:lvl6pPr>
+            <a:lvl7pPr marL="2743200" indent="0">
+              <a:buNone/>
+              <a:defRPr sz="1600" b="1"/>
+            </a:lvl7pPr>
+            <a:lvl8pPr marL="3200400" indent="0">
+              <a:buNone/>
+              <a:defRPr sz="1600" b="1"/>
+            </a:lvl8pPr>
+            <a:lvl9pPr marL="3657600" indent="0">
+              <a:buNone/>
+              <a:defRPr sz="1600" b="1"/>
+            </a:lvl9pPr>
+          </a:lstStyle>
+          <a:p>
+            <a:pPr lvl="0"/>
+            <a:r>
+              <a:rPr lang="en-US" smtClean="0"/>
+              <a:t>Click to edit Master text styles</a:t>
+            </a:r>
+          </a:p>
+        </p:txBody>
+      </p:sp>
+      <p:sp>
+        <p:nvSpPr>
+          <p:cNvPr id="6" name="Content Placeholder 5"/>
+          <p:cNvSpPr>
+            <a:spLocks noGrp="1"/>
+          </p:cNvSpPr>
+          <p:nvPr>
+            <p:ph sz="quarter" idx="4"/>
+          </p:nvPr>
+        </p:nvSpPr>
+        <p:spPr>
+          <a:xfrm>
+            <a:off x="4645025" y="2174875"/>
+            <a:ext cx="4041775" cy="3951288"/>
+          </a:xfrm>
+        </p:spPr>
+        <p:txBody>
+          <a:bodyPr/>
+          <a:lstStyle>
+            <a:lvl1pPr>
+              <a:defRPr sz="2400"/>
+            </a:lvl1pPr>
+            <a:lvl2pPr>
+              <a:defRPr sz="2000"/>
+            </a:lvl2pPr>
+            <a:lvl3pPr>
+              <a:defRPr sz="1800"/>
+            </a:lvl3pPr>
+            <a:lvl4pPr>
+              <a:defRPr sz="1600"/>
+            </a:lvl4pPr>
+            <a:lvl5pPr>
+              <a:defRPr sz="1600"/>
+            </a:lvl5pPr>
+            <a:lvl6pPr>
+              <a:defRPr sz="1600"/>
+            </a:lvl6pPr>
+            <a:lvl7pPr>
+              <a:defRPr sz="1600"/>
+            </a:lvl7pPr>
+            <a:lvl8pPr>
+              <a:defRPr sz="1600"/>
+            </a:lvl8pPr>
+            <a:lvl9pPr>
+              <a:defRPr sz="1600"/>
+            </a:lvl9pPr>
+          </a:lstStyle>
+          <a:p>
+            <a:pPr lvl="0"/>
+            <a:r>
+              <a:rPr lang="en-US" smtClean="0"/>
+              <a:t>Click to edit Master text styles</a:t>
+            </a:r>
+          </a:p>
+          <a:p>
+            <a:pPr lvl="1"/>
+            <a:r>
+              <a:rPr lang="en-US" smtClean="0"/>
+              <a:t>Second level</a:t>
+            </a:r>
+          </a:p>
+          <a:p>
+            <a:pPr lvl="2"/>
+            <a:r>
+              <a:rPr lang="en-US" smtClean="0"/>
+              <a:t>Third level</a:t>
+            </a:r>
+          </a:p>
+          <a:p>
+            <a:pPr lvl="3"/>
+            <a:r>
+              <a:rPr lang="en-US" smtClean="0"/>
+              <a:t>Fourth level</a:t>
+            </a:r>
+          </a:p>
+          <a:p>
+            <a:pPr lvl="4"/>
+            <a:r>
+              <a:rPr lang="en-US" smtClean="0"/>
+              <a:t>Fifth level</a:t>
+            </a:r>
+            <a:endParaRPr lang="en-US"/>
+          </a:p>
+        </p:txBody>
+      </p:sp>
+      <p:sp>
+        <p:nvSpPr>
+          <p:cNvPr id="7" name="Date Placeholder 6"/>
+          <p:cNvSpPr>
+            <a:spLocks noGrp="1"/>
+          </p:cNvSpPr>
+          <p:nvPr>
+            <p:ph type="dt" sz="half" idx="10"/>
+          </p:nvPr>
+        </p:nvSpPr>
+        <p:spPr/>
+        <p:txBody>
+          <a:bodyPr/>
+          <a:lstStyle/>
+          <a:p>
+            <a:fld id="{241EB5C9-1307-BA42-ABA2-0BC069CD8E7F}" type="datetimeFigureOut">
+              <a:rPr lang="en-US" smtClean="0"/>
+              <a:t>4/5/2019</a:t>
+            </a:fld>
+            <a:endParaRPr lang="en-US"/>
+          </a:p>
+        </p:txBody>
+      </p:sp>
+      <p:sp>
+        <p:nvSpPr>
+          <p:cNvPr id="8" name="Footer Placeholder 7"/>
+          <p:cNvSpPr>
+            <a:spLocks noGrp="1"/>
+          </p:cNvSpPr>
+          <p:nvPr>
+            <p:ph type="ftr" sz="quarter" idx="11"/>
+          </p:nvPr>
+        </p:nvSpPr>
+        <p:spPr/>
+        <p:txBody>
+          <a:bodyPr/>
+          <a:lstStyle/>
+          <a:p>
+            <a:endParaRPr lang="en-US"/>
+          </a:p>
+        </p:txBody>
+      </p:sp>
+      <p:sp>
+        <p:nvSpPr>
+          <p:cNvPr id="9" name="Slide Number Placeholder 8"/>
+          <p:cNvSpPr>
+            <a:spLocks noGrp="1"/>
+          </p:cNvSpPr>
+          <p:nvPr>
+            <p:ph type="sldNum" sz="quarter" idx="12"/>
+          </p:nvPr>
+        </p:nvSpPr>
+        <p:spPr/>
+        <p:txBody>
+          <a:bodyPr/>
+          <a:lstStyle/>
+          <a:p>
+            <a:fld id="{C5EF2332-01BF-834F-8236-50238282D533}" type="slidenum">
+              <a:rPr lang="en-US" smtClean="0"/>
+              <a:t>‹#›</a:t>
+            </a:fld>
+            <a:endParaRPr lang="en-US"/>
+          </a:p>
+        </p:txBody>
+      </p:sp>
+    </p:spTree>
+    <p:extLst>
+      <p:ext uri="{BB962C8B-B14F-4D97-AF65-F5344CB8AC3E}">
+        <p14:creationId xmlns:p14="http://schemas.microsoft.com/office/powerpoint/2010/main" val="2535793967"/>
+      </p:ext>
+    </p:extLst>
+  </p:cSld>
+  <p:clrMapOvr>
+    <a:masterClrMapping/>
+  </p:clrMapOvr>
+</p:sldLayout>
+</file>
+
+<file path=ppt/slideLayouts/slideLayout6.xml><?xml version="1.0" encoding="utf-8"?>
+<p:sldLayout xmlns:a="http://schemas.openxmlformats.org/drawingml/2006/main" xmlns:r="http://schemas.openxmlformats.org/officeDocument/2006/relationships" xmlns:p="http://schemas.openxmlformats.org/presentationml/2006/main" type="titleOnly" preserve="1">
+  <p:cSld name="Title Only">
+    <p:spTree>
+      <p:nvGrpSpPr>
+        <p:cNvPr id="1" name=""/>
+        <p:cNvGrpSpPr/>
+        <p:nvPr/>
+      </p:nvGrpSpPr>
+      <p:grpSpPr>
+        <a:xfrm>
+          <a:off x="0" y="0"/>
+          <a:ext cx="0" cy="0"/>
+          <a:chOff x="0" y="0"/>
+          <a:chExt cx="0" cy="0"/>
+        </a:xfrm>
+      </p:grpSpPr>
+      <p:sp>
+        <p:nvSpPr>
+          <p:cNvPr id="2" name="Title 1"/>
+          <p:cNvSpPr>
+            <a:spLocks noGrp="1"/>
+          </p:cNvSpPr>
+          <p:nvPr>
+            <p:ph type="title"/>
+          </p:nvPr>
+        </p:nvSpPr>
+        <p:spPr/>
+        <p:txBody>
+          <a:bodyPr/>
+          <a:lstStyle/>
+          <a:p>
+            <a:r>
+              <a:rPr lang="en-US" smtClean="0"/>
+              <a:t>Click to edit Master title style</a:t>
+            </a:r>
+            <a:endParaRPr lang="en-US"/>
+          </a:p>
+        </p:txBody>
+      </p:sp>
+      <p:sp>
+        <p:nvSpPr>
+          <p:cNvPr id="3" name="Date Placeholder 2"/>
+          <p:cNvSpPr>
+            <a:spLocks noGrp="1"/>
+          </p:cNvSpPr>
+          <p:nvPr>
+            <p:ph type="dt" sz="half" idx="10"/>
+          </p:nvPr>
+        </p:nvSpPr>
+        <p:spPr/>
+        <p:txBody>
+          <a:bodyPr/>
+          <a:lstStyle/>
+          <a:p>
+            <a:fld id="{241EB5C9-1307-BA42-ABA2-0BC069CD8E7F}" type="datetimeFigureOut">
+              <a:rPr lang="en-US" smtClean="0"/>
+              <a:t>4/5/2019</a:t>
+            </a:fld>
+            <a:endParaRPr lang="en-US"/>
+          </a:p>
+        </p:txBody>
+      </p:sp>
+      <p:sp>
+        <p:nvSpPr>
+          <p:cNvPr id="4" name="Footer Placeholder 3"/>
+          <p:cNvSpPr>
+            <a:spLocks noGrp="1"/>
+          </p:cNvSpPr>
+          <p:nvPr>
+            <p:ph type="ftr" sz="quarter" idx="11"/>
+          </p:nvPr>
+        </p:nvSpPr>
+        <p:spPr/>
+        <p:txBody>
+          <a:bodyPr/>
+          <a:lstStyle/>
+          <a:p>
+            <a:endParaRPr lang="en-US"/>
+          </a:p>
+        </p:txBody>
+      </p:sp>
+      <p:sp>
+        <p:nvSpPr>
+          <p:cNvPr id="5" name="Slide Number Placeholder 4"/>
+          <p:cNvSpPr>
+            <a:spLocks noGrp="1"/>
+          </p:cNvSpPr>
+          <p:nvPr>
+            <p:ph type="sldNum" sz="quarter" idx="12"/>
+          </p:nvPr>
+        </p:nvSpPr>
+        <p:spPr/>
+        <p:txBody>
+          <a:bodyPr/>
+          <a:lstStyle/>
+          <a:p>
+            <a:fld id="{C5EF2332-01BF-834F-8236-50238282D533}" type="slidenum">
+              <a:rPr lang="en-US" smtClean="0"/>
+              <a:t>‹#›</a:t>
+            </a:fld>
+            <a:endParaRPr lang="en-US"/>
+          </a:p>
+        </p:txBody>
+      </p:sp>
+    </p:spTree>
+    <p:extLst>
+      <p:ext uri="{BB962C8B-B14F-4D97-AF65-F5344CB8AC3E}">
+        <p14:creationId xmlns:p14="http://schemas.microsoft.com/office/powerpoint/2010/main" val="3472721253"/>
+      </p:ext>
+    </p:extLst>
+  </p:cSld>
+  <p:clrMapOvr>
+    <a:masterClrMapping/>
+  </p:clrMapOvr>
+</p:sldLayout>
+</file>
+
+<file path=ppt/slideLayouts/slideLayout7.xml><?xml version="1.0" encoding="utf-8"?>
+<p:sldLayout xmlns:a="http://schemas.openxmlformats.org/drawingml/2006/main" xmlns:r="http://schemas.openxmlformats.org/officeDocument/2006/relationships" xmlns:p="http://schemas.openxmlformats.org/presentationml/2006/main" type="blank" preserve="1">
+  <p:cSld name="Blank">
+    <p:spTree>
+      <p:nvGrpSpPr>
+        <p:cNvPr id="1" name=""/>
+        <p:cNvGrpSpPr/>
+        <p:nvPr/>
+      </p:nvGrpSpPr>
+      <p:grpSpPr>
+        <a:xfrm>
+          <a:off x="0" y="0"/>
+          <a:ext cx="0" cy="0"/>
+          <a:chOff x="0" y="0"/>
+          <a:chExt cx="0" cy="0"/>
+        </a:xfrm>
+      </p:grpSpPr>
+      <p:sp>
+        <p:nvSpPr>
+          <p:cNvPr id="2" name="Date Placeholder 1"/>
+          <p:cNvSpPr>
+            <a:spLocks noGrp="1"/>
+          </p:cNvSpPr>
+          <p:nvPr>
+            <p:ph type="dt" sz="half" idx="10"/>
+          </p:nvPr>
+        </p:nvSpPr>
+        <p:spPr/>
+        <p:txBody>
+          <a:bodyPr/>
+          <a:lstStyle/>
+          <a:p>
+            <a:fld id="{241EB5C9-1307-BA42-ABA2-0BC069CD8E7F}" type="datetimeFigureOut">
+              <a:rPr lang="en-US" smtClean="0"/>
+              <a:t>4/5/2019</a:t>
+            </a:fld>
+            <a:endParaRPr lang="en-US"/>
+          </a:p>
+        </p:txBody>
+      </p:sp>
+      <p:sp>
+        <p:nvSpPr>
+          <p:cNvPr id="3" name="Footer Placeholder 2"/>
+          <p:cNvSpPr>
+            <a:spLocks noGrp="1"/>
+          </p:cNvSpPr>
+          <p:nvPr>
+            <p:ph type="ftr" sz="quarter" idx="11"/>
+          </p:nvPr>
+        </p:nvSpPr>
+        <p:spPr/>
+        <p:txBody>
+          <a:bodyPr/>
+          <a:lstStyle/>
+          <a:p>
+            <a:endParaRPr lang="en-US"/>
+          </a:p>
+        </p:txBody>
+      </p:sp>
+      <p:sp>
+        <p:nvSpPr>
+          <p:cNvPr id="4" name="Slide Number Placeholder 3"/>
+          <p:cNvSpPr>
+            <a:spLocks noGrp="1"/>
+          </p:cNvSpPr>
+          <p:nvPr>
+            <p:ph type="sldNum" sz="quarter" idx="12"/>
+          </p:nvPr>
+        </p:nvSpPr>
+        <p:spPr/>
+        <p:txBody>
+          <a:bodyPr/>
+          <a:lstStyle/>
+          <a:p>
+            <a:fld id="{C5EF2332-01BF-834F-8236-50238282D533}" type="slidenum">
+              <a:rPr lang="en-US" smtClean="0"/>
+              <a:t>‹#›</a:t>
+            </a:fld>
+            <a:endParaRPr lang="en-US"/>
+          </a:p>
+        </p:txBody>
+      </p:sp>
+    </p:spTree>
+    <p:extLst>
+      <p:ext uri="{BB962C8B-B14F-4D97-AF65-F5344CB8AC3E}">
+        <p14:creationId xmlns:p14="http://schemas.microsoft.com/office/powerpoint/2010/main" val="2130901097"/>
+      </p:ext>
+    </p:extLst>
+  </p:cSld>
+  <p:clrMapOvr>
+    <a:masterClrMapping/>
+  </p:clrMapOvr>
+</p:sldLayout>
+</file>
+
+<file path=ppt/slideLayouts/slideLayout8.xml><?xml version="1.0" encoding="utf-8"?>
+<p:sldLayout xmlns:a="http://schemas.openxmlformats.org/drawingml/2006/main" xmlns:r="http://schemas.openxmlformats.org/officeDocument/2006/relationships" xmlns:p="http://schemas.openxmlformats.org/presentationml/2006/main" type="objTx" preserve="1">
+  <p:cSld name="Content with Caption">
+    <p:spTree>
+      <p:nvGrpSpPr>
+        <p:cNvPr id="1" name=""/>
+        <p:cNvGrpSpPr/>
+        <p:nvPr/>
+      </p:nvGrpSpPr>
+      <p:grpSpPr>
+        <a:xfrm>
+          <a:off x="0" y="0"/>
+          <a:ext cx="0" cy="0"/>
+          <a:chOff x="0" y="0"/>
+          <a:chExt cx="0" cy="0"/>
+        </a:xfrm>
+      </p:grpSpPr>
+      <p:sp>
+        <p:nvSpPr>
+          <p:cNvPr id="2" name="Title 1"/>
+          <p:cNvSpPr>
+            <a:spLocks noGrp="1"/>
+          </p:cNvSpPr>
+          <p:nvPr>
+            <p:ph type="title"/>
+          </p:nvPr>
+        </p:nvSpPr>
+        <p:spPr>
+          <a:xfrm>
+            <a:off x="457200" y="273050"/>
+            <a:ext cx="3008313" cy="1162050"/>
+          </a:xfrm>
+        </p:spPr>
+        <p:txBody>
+          <a:bodyPr anchor="b"/>
+          <a:lstStyle>
+            <a:lvl1pPr algn="l">
+              <a:defRPr sz="2000" b="1"/>
+            </a:lvl1pPr>
+          </a:lstStyle>
+          <a:p>
+            <a:r>
+              <a:rPr lang="en-US" smtClean="0"/>
+              <a:t>Click to edit Master title style</a:t>
+            </a:r>
+            <a:endParaRPr lang="en-US"/>
+          </a:p>
+        </p:txBody>
+      </p:sp>
+      <p:sp>
+        <p:nvSpPr>
+          <p:cNvPr id="3" name="Content Placeholder 2"/>
+          <p:cNvSpPr>
+            <a:spLocks noGrp="1"/>
+          </p:cNvSpPr>
+          <p:nvPr>
+            <p:ph idx="1"/>
+          </p:nvPr>
+        </p:nvSpPr>
+        <p:spPr>
+          <a:xfrm>
+            <a:off x="3575050" y="273050"/>
+            <a:ext cx="5111750" cy="5853113"/>
+          </a:xfrm>
+        </p:spPr>
+        <p:txBody>
+          <a:bodyPr/>
+          <a:lstStyle>
+            <a:lvl1pPr>
+              <a:defRPr sz="3200"/>
+            </a:lvl1pPr>
+            <a:lvl2pPr>
+              <a:defRPr sz="2800"/>
+            </a:lvl2pPr>
+            <a:lvl3pPr>
+              <a:defRPr sz="2400"/>
+            </a:lvl3pPr>
+            <a:lvl4pPr>
+              <a:defRPr sz="2000"/>
+            </a:lvl4pPr>
+            <a:lvl5pPr>
+              <a:defRPr sz="2000"/>
+            </a:lvl5pPr>
+            <a:lvl6pPr>
+              <a:defRPr sz="2000"/>
+            </a:lvl6pPr>
+            <a:lvl7pPr>
+              <a:defRPr sz="2000"/>
+            </a:lvl7pPr>
+            <a:lvl8pPr>
+              <a:defRPr sz="2000"/>
+            </a:lvl8pPr>
+            <a:lvl9pPr>
+              <a:defRPr sz="2000"/>
+            </a:lvl9pPr>
+          </a:lstStyle>
+          <a:p>
+            <a:pPr lvl="0"/>
+            <a:r>
+              <a:rPr lang="en-US" smtClean="0"/>
+              <a:t>Click to edit Master text styles</a:t>
+            </a:r>
+          </a:p>
+          <a:p>
+            <a:pPr lvl="1"/>
+            <a:r>
+              <a:rPr lang="en-US" smtClean="0"/>
+              <a:t>Second level</a:t>
+            </a:r>
+          </a:p>
+          <a:p>
+            <a:pPr lvl="2"/>
+            <a:r>
+              <a:rPr lang="en-US" smtClean="0"/>
+              <a:t>Third level</a:t>
+            </a:r>
+          </a:p>
+          <a:p>
+            <a:pPr lvl="3"/>
+            <a:r>
+              <a:rPr lang="en-US" smtClean="0"/>
+              <a:t>Fourth level</a:t>
+            </a:r>
+          </a:p>
+          <a:p>
+            <a:pPr lvl="4"/>
+            <a:r>
+              <a:rPr lang="en-US" smtClean="0"/>
+              <a:t>Fifth level</a:t>
+            </a:r>
+            <a:endParaRPr lang="en-US"/>
+          </a:p>
+        </p:txBody>
+      </p:sp>
+      <p:sp>
+        <p:nvSpPr>
+          <p:cNvPr id="4" name="Text Placeholder 3"/>
+          <p:cNvSpPr>
+            <a:spLocks noGrp="1"/>
+          </p:cNvSpPr>
+          <p:nvPr>
+            <p:ph type="body" sz="half" idx="2"/>
+          </p:nvPr>
+        </p:nvSpPr>
+        <p:spPr>
+          <a:xfrm>
+            <a:off x="457200" y="1435100"/>
+            <a:ext cx="3008313" cy="4691063"/>
+          </a:xfrm>
+        </p:spPr>
+        <p:txBody>
+          <a:bodyPr/>
+          <a:lstStyle>
+            <a:lvl1pPr marL="0" indent="0">
+              <a:buNone/>
+              <a:defRPr sz="1400"/>
+            </a:lvl1pPr>
+            <a:lvl2pPr marL="457200" indent="0">
+              <a:buNone/>
+              <a:defRPr sz="1200"/>
+            </a:lvl2pPr>
+            <a:lvl3pPr marL="914400" indent="0">
+              <a:buNone/>
+              <a:defRPr sz="1000"/>
+            </a:lvl3pPr>
+            <a:lvl4pPr marL="1371600" indent="0">
+              <a:buNone/>
+              <a:defRPr sz="900"/>
+            </a:lvl4pPr>
+            <a:lvl5pPr marL="1828800" indent="0">
+              <a:buNone/>
+              <a:defRPr sz="900"/>
+            </a:lvl5pPr>
+            <a:lvl6pPr marL="2286000" indent="0">
+              <a:buNone/>
+              <a:defRPr sz="900"/>
+            </a:lvl6pPr>
+            <a:lvl7pPr marL="2743200" indent="0">
+              <a:buNone/>
+              <a:defRPr sz="900"/>
+            </a:lvl7pPr>
+            <a:lvl8pPr marL="3200400" indent="0">
+              <a:buNone/>
+              <a:defRPr sz="900"/>
+            </a:lvl8pPr>
+            <a:lvl9pPr marL="3657600" indent="0">
+              <a:buNone/>
+              <a:defRPr sz="900"/>
+            </a:lvl9pPr>
+          </a:lstStyle>
+          <a:p>
+            <a:pPr lvl="0"/>
+            <a:r>
+              <a:rPr lang="en-US" smtClean="0"/>
+              <a:t>Click to edit Master text styles</a:t>
+            </a:r>
+          </a:p>
+        </p:txBody>
+      </p:sp>
+      <p:sp>
+        <p:nvSpPr>
+          <p:cNvPr id="5" name="Date Placeholder 4"/>
+          <p:cNvSpPr>
+            <a:spLocks noGrp="1"/>
+          </p:cNvSpPr>
+          <p:nvPr>
+            <p:ph type="dt" sz="half" idx="10"/>
+          </p:nvPr>
+        </p:nvSpPr>
+        <p:spPr/>
+        <p:txBody>
+          <a:bodyPr/>
+          <a:lstStyle/>
+          <a:p>
+            <a:fld id="{241EB5C9-1307-BA42-ABA2-0BC069CD8E7F}" type="datetimeFigureOut">
+              <a:rPr lang="en-US" smtClean="0"/>
+              <a:t>4/5/2019</a:t>
+            </a:fld>
+            <a:endParaRPr lang="en-US"/>
+          </a:p>
+        </p:txBody>
+      </p:sp>
+      <p:sp>
+        <p:nvSpPr>
+          <p:cNvPr id="6" name="Footer Placeholder 5"/>
+          <p:cNvSpPr>
+            <a:spLocks noGrp="1"/>
+          </p:cNvSpPr>
+          <p:nvPr>
+            <p:ph type="ftr" sz="quarter" idx="11"/>
+          </p:nvPr>
+        </p:nvSpPr>
+        <p:spPr/>
+        <p:txBody>
+          <a:bodyPr/>
+          <a:lstStyle/>
+          <a:p>
+            <a:endParaRPr lang="en-US"/>
+          </a:p>
+        </p:txBody>
+      </p:sp>
+      <p:sp>
+        <p:nvSpPr>
+          <p:cNvPr id="7" name="Slide Number Placeholder 6"/>
+          <p:cNvSpPr>
+            <a:spLocks noGrp="1"/>
+          </p:cNvSpPr>
+          <p:nvPr>
+            <p:ph type="sldNum" sz="quarter" idx="12"/>
+          </p:nvPr>
+        </p:nvSpPr>
+        <p:spPr/>
+        <p:txBody>
+          <a:bodyPr/>
+          <a:lstStyle/>
+          <a:p>
+            <a:fld id="{C5EF2332-01BF-834F-8236-50238282D533}" type="slidenum">
+              <a:rPr lang="en-US" smtClean="0"/>
+              <a:t>‹#›</a:t>
+            </a:fld>
+            <a:endParaRPr lang="en-US"/>
+          </a:p>
+        </p:txBody>
+      </p:sp>
+    </p:spTree>
+    <p:extLst>
+      <p:ext uri="{BB962C8B-B14F-4D97-AF65-F5344CB8AC3E}">
+        <p14:creationId xmlns:p14="http://schemas.microsoft.com/office/powerpoint/2010/main" val="3540895647"/>
+      </p:ext>
+    </p:extLst>
+  </p:cSld>
+  <p:clrMapOvr>
+    <a:masterClrMapping/>
+  </p:clrMapOvr>
+</p:sldLayout>
+</file>
+
+<file path=ppt/slideLayouts/slideLayout9.xml><?xml version="1.0" encoding="utf-8"?>
+<p:sldLayout xmlns:a="http://schemas.openxmlformats.org/drawingml/2006/main" xmlns:r="http://schemas.openxmlformats.org/officeDocument/2006/relationships" xmlns:p="http://schemas.openxmlformats.org/presentationml/2006/main" type="picTx" preserve="1">
+  <p:cSld name="Picture with Caption">
+    <p:spTree>
+      <p:nvGrpSpPr>
+        <p:cNvPr id="1" name=""/>
+        <p:cNvGrpSpPr/>
+        <p:nvPr/>
+      </p:nvGrpSpPr>
+      <p:grpSpPr>
+        <a:xfrm>
+          <a:off x="0" y="0"/>
+          <a:ext cx="0" cy="0"/>
+          <a:chOff x="0" y="0"/>
+          <a:chExt cx="0" cy="0"/>
+        </a:xfrm>
+      </p:grpSpPr>
+      <p:sp>
+        <p:nvSpPr>
+          <p:cNvPr id="2" name="Title 1"/>
+          <p:cNvSpPr>
+            <a:spLocks noGrp="1"/>
+          </p:cNvSpPr>
+          <p:nvPr>
+            <p:ph type="title"/>
+          </p:nvPr>
+        </p:nvSpPr>
+        <p:spPr>
+          <a:xfrm>
+            <a:off x="1792288" y="4800600"/>
+            <a:ext cx="5486400" cy="566738"/>
+          </a:xfrm>
+        </p:spPr>
+        <p:txBody>
+          <a:bodyPr anchor="b"/>
+          <a:lstStyle>
+            <a:lvl1pPr algn="l">
+              <a:defRPr sz="2000" b="1"/>
+            </a:lvl1pPr>
+          </a:lstStyle>
+          <a:p>
+            <a:r>
+              <a:rPr lang="en-US" smtClean="0"/>
+              <a:t>Click to edit Master title style</a:t>
+            </a:r>
+            <a:endParaRPr lang="en-US"/>
+          </a:p>
+        </p:txBody>
+      </p:sp>
+      <p:sp>
+        <p:nvSpPr>
+          <p:cNvPr id="3" name="Picture Placeholder 2"/>
+          <p:cNvSpPr>
+            <a:spLocks noGrp="1"/>
+          </p:cNvSpPr>
+          <p:nvPr>
+            <p:ph type="pic" idx="1"/>
+          </p:nvPr>
+        </p:nvSpPr>
+        <p:spPr>
+          <a:xfrm>
+            <a:off x="1792288" y="612775"/>
+            <a:ext cx="5486400" cy="4114800"/>
+          </a:xfrm>
+        </p:spPr>
+        <p:txBody>
+          <a:bodyPr/>
+          <a:lstStyle>
+            <a:lvl1pPr marL="0" indent="0">
+              <a:buNone/>
+              <a:defRPr sz="3200"/>
+            </a:lvl1pPr>
+            <a:lvl2pPr marL="457200" indent="0">
+              <a:buNone/>
+              <a:defRPr sz="2800"/>
+            </a:lvl2pPr>
+            <a:lvl3pPr marL="914400" indent="0">
+              <a:buNone/>
+              <a:defRPr sz="2400"/>
+            </a:lvl3pPr>
+            <a:lvl4pPr marL="1371600" indent="0">
+              <a:buNone/>
+              <a:defRPr sz="2000"/>
+            </a:lvl4pPr>
+            <a:lvl5pPr marL="1828800" indent="0">
+              <a:buNone/>
+              <a:defRPr sz="2000"/>
+            </a:lvl5pPr>
+            <a:lvl6pPr marL="2286000" indent="0">
+              <a:buNone/>
+              <a:defRPr sz="2000"/>
+            </a:lvl6pPr>
+            <a:lvl7pPr marL="2743200" indent="0">
+              <a:buNone/>
+              <a:defRPr sz="2000"/>
+            </a:lvl7pPr>
+            <a:lvl8pPr marL="3200400" indent="0">
+              <a:buNone/>
+              <a:defRPr sz="2000"/>
+            </a:lvl8pPr>
+            <a:lvl9pPr marL="3657600" indent="0">
+              <a:buNone/>
+              <a:defRPr sz="2000"/>
+            </a:lvl9pPr>
+          </a:lstStyle>
+          <a:p>
+            <a:endParaRPr lang="en-US"/>
+          </a:p>
+        </p:txBody>
+      </p:sp>
+      <p:sp>
+        <p:nvSpPr>
+          <p:cNvPr id="4" name="Text Placeholder 3"/>
+          <p:cNvSpPr>
+            <a:spLocks noGrp="1"/>
+          </p:cNvSpPr>
+          <p:nvPr>
+            <p:ph type="body" sz="half" idx="2"/>
+          </p:nvPr>
+        </p:nvSpPr>
+        <p:spPr>
+          <a:xfrm>
+            <a:off x="1792288" y="5367338"/>
+            <a:ext cx="5486400" cy="804862"/>
+          </a:xfrm>
+        </p:spPr>
+        <p:txBody>
+          <a:bodyPr/>
+          <a:lstStyle>
+            <a:lvl1pPr marL="0" indent="0">
+              <a:buNone/>
+              <a:defRPr sz="1400"/>
+            </a:lvl1pPr>
+            <a:lvl2pPr marL="457200" indent="0">
+              <a:buNone/>
+              <a:defRPr sz="1200"/>
+            </a:lvl2pPr>
+            <a:lvl3pPr marL="914400" indent="0">
+              <a:buNone/>
+              <a:defRPr sz="1000"/>
+            </a:lvl3pPr>
+            <a:lvl4pPr marL="1371600" indent="0">
+              <a:buNone/>
+              <a:defRPr sz="900"/>
+            </a:lvl4pPr>
+            <a:lvl5pPr marL="1828800" indent="0">
+              <a:buNone/>
+              <a:defRPr sz="900"/>
+            </a:lvl5pPr>
+            <a:lvl6pPr marL="2286000" indent="0">
+              <a:buNone/>
+              <a:defRPr sz="900"/>
+            </a:lvl6pPr>
+            <a:lvl7pPr marL="2743200" indent="0">
+              <a:buNone/>
+              <a:defRPr sz="900"/>
+            </a:lvl7pPr>
+            <a:lvl8pPr marL="3200400" indent="0">
+              <a:buNone/>
+              <a:defRPr sz="900"/>
+            </a:lvl8pPr>
+            <a:lvl9pPr marL="3657600" indent="0">
+              <a:buNone/>
+              <a:defRPr sz="900"/>
+            </a:lvl9pPr>
+          </a:lstStyle>
+          <a:p>
+            <a:pPr lvl="0"/>
+            <a:r>
+              <a:rPr lang="en-US" smtClean="0"/>
+              <a:t>Click to edit Master text styles</a:t>
+            </a:r>
+          </a:p>
+        </p:txBody>
+      </p:sp>
+      <p:sp>
+        <p:nvSpPr>
+          <p:cNvPr id="5" name="Date Placeholder 4"/>
+          <p:cNvSpPr>
+            <a:spLocks noGrp="1"/>
+          </p:cNvSpPr>
+          <p:nvPr>
+            <p:ph type="dt" sz="half" idx="10"/>
+          </p:nvPr>
+        </p:nvSpPr>
+        <p:spPr/>
+        <p:txBody>
+          <a:bodyPr/>
+          <a:lstStyle/>
+          <a:p>
+            <a:fld id="{241EB5C9-1307-BA42-ABA2-0BC069CD8E7F}" type="datetimeFigureOut">
+              <a:rPr lang="en-US" smtClean="0"/>
+              <a:t>4/5/2019</a:t>
+            </a:fld>
+            <a:endParaRPr lang="en-US"/>
+          </a:p>
+        </p:txBody>
+      </p:sp>
+      <p:sp>
+        <p:nvSpPr>
+          <p:cNvPr id="6" name="Footer Placeholder 5"/>
+          <p:cNvSpPr>
+            <a:spLocks noGrp="1"/>
+          </p:cNvSpPr>
+          <p:nvPr>
+            <p:ph type="ftr" sz="quarter" idx="11"/>
+          </p:nvPr>
+        </p:nvSpPr>
+        <p:spPr/>
+        <p:txBody>
+          <a:bodyPr/>
+          <a:lstStyle/>
+          <a:p>
+            <a:endParaRPr lang="en-US"/>
+          </a:p>
+        </p:txBody>
+      </p:sp>
+      <p:sp>
+        <p:nvSpPr>
+          <p:cNvPr id="7" name="Slide Number Placeholder 6"/>
+          <p:cNvSpPr>
+            <a:spLocks noGrp="1"/>
+          </p:cNvSpPr>
+          <p:nvPr>
+            <p:ph type="sldNum" sz="quarter" idx="12"/>
+          </p:nvPr>
+        </p:nvSpPr>
+        <p:spPr/>
+        <p:txBody>
+          <a:bodyPr/>
+          <a:lstStyle/>
+          <a:p>
+            <a:fld id="{C5EF2332-01BF-834F-8236-50238282D533}" type="slidenum">
+              <a:rPr lang="en-US" smtClean="0"/>
+              <a:t>‹#›</a:t>
+            </a:fld>
+            <a:endParaRPr lang="en-US"/>
+          </a:p>
+        </p:txBody>
+      </p:sp>
+    </p:spTree>
+    <p:extLst>
+      <p:ext uri="{BB962C8B-B14F-4D97-AF65-F5344CB8AC3E}">
+        <p14:creationId xmlns:p14="http://schemas.microsoft.com/office/powerpoint/2010/main" val="3566899855"/>
+      </p:ext>
+    </p:extLst>
   </p:cSld>
   <p:clrMapOvr>
     <a:masterClrMapping/>
@@ -2270,11 +3785,20 @@
           <a:bodyPr/>
           <a:lstStyle/>
           <a:p>
-            <a:pPr marL="0" lvl="0" indent="0">
+            <a:pPr lvl="0" marL="0" indent="0">
               <a:buNone/>
             </a:pPr>
             <a:r>
-              <a:t>01-R Markdown历史和工作原理</a:t>
+              <a:rPr/>
+              <a:t>01-R</a:t>
+            </a:r>
+            <a:r>
+              <a:rPr/>
+              <a:t> </a:t>
+            </a:r>
+            <a:r>
+              <a:rPr/>
+              <a:t>Markdown历史和工作原理</a:t>
             </a:r>
           </a:p>
         </p:txBody>
@@ -2305,12 +3829,13 @@
           <a:bodyPr/>
           <a:lstStyle/>
           <a:p>
-            <a:pPr marL="0" lvl="0" indent="0">
+            <a:pPr lvl="0" marL="0" indent="0">
               <a:buNone/>
             </a:pPr>
             <a:br/>
             <a:br/>
             <a:r>
+              <a:rPr/>
               <a:t>梁昊</a:t>
             </a:r>
           </a:p>
@@ -2336,10 +3861,11 @@
           <a:bodyPr/>
           <a:lstStyle/>
           <a:p>
-            <a:pPr marL="0" lvl="0" indent="0">
+            <a:pPr lvl="0" marL="0" indent="0">
               <a:buNone/>
             </a:pPr>
             <a:r>
+              <a:rPr/>
               <a:t>02/04/2021</a:t>
             </a:r>
           </a:p>
@@ -2347,9 +3873,6 @@
       </p:sp>
     </p:spTree>
   </p:cSld>
-  <p:clrMapOvr>
-    <a:masterClrMapping/>
-  </p:clrMapOvr>
 </p:sld>
 </file>
 
@@ -2388,28 +3911,34 @@
         </p:nvSpPr>
         <p:spPr>
           <a:xfrm>
-            <a:off x="838199" y="362260"/>
-            <a:ext cx="6304722" cy="637553"/>
+            <a:off x="838198" y="362260"/>
+            <a:ext cx="8486957" cy="637553"/>
           </a:xfrm>
         </p:spPr>
         <p:txBody>
           <a:bodyPr/>
           <a:lstStyle/>
           <a:p>
-            <a:pPr marL="0" lvl="0" indent="0">
+            <a:pPr lvl="0" marL="0" indent="0">
               <a:buNone/>
             </a:pPr>
             <a:r>
-              <a:t>2.3 </a:t>
+              <a:rPr/>
+              <a:t>R</a:t>
+            </a:r>
+            <a:r>
+              <a:rPr/>
+              <a:t> </a:t>
+            </a:r>
+            <a:r>
+              <a:rPr/>
+              <a:t>Markdown::render</a:t>
             </a:r>
           </a:p>
         </p:txBody>
       </p:sp>
     </p:spTree>
   </p:cSld>
-  <p:clrMapOvr>
-    <a:masterClrMapping/>
-  </p:clrMapOvr>
 </p:sld>
 </file>
 
@@ -2448,26 +3977,43 @@
         </p:nvSpPr>
         <p:spPr>
           <a:xfrm>
-            <a:off x="838199" y="362260"/>
-            <a:ext cx="6304722" cy="637553"/>
+            <a:off x="838198" y="362260"/>
+            <a:ext cx="8486957" cy="637553"/>
           </a:xfrm>
         </p:spPr>
         <p:txBody>
           <a:bodyPr/>
           <a:lstStyle/>
           <a:p>
-            <a:pPr marL="0" lvl="0" indent="0">
+            <a:pPr lvl="0" marL="0" indent="0">
               <a:buNone/>
             </a:pPr>
             <a:r>
-              <a:t>2.4 Slide with Plot</a:t>
+              <a:rPr/>
+              <a:t>Slide</a:t>
+            </a:r>
+            <a:r>
+              <a:rPr/>
+              <a:t> </a:t>
+            </a:r>
+            <a:r>
+              <a:rPr/>
+              <a:t>with</a:t>
+            </a:r>
+            <a:r>
+              <a:rPr/>
+              <a:t> </a:t>
+            </a:r>
+            <a:r>
+              <a:rPr/>
+              <a:t>Plot</a:t>
             </a:r>
           </a:p>
         </p:txBody>
       </p:sp>
       <p:pic>
         <p:nvPicPr>
-          <p:cNvPr id="2" name="Picture 1" descr="01-History-Works_files/figure-pptx/pressure-1.png"/>
+          <p:cNvPr descr="01-History-Works_files/figure-pptx/pressure-1.png" id="0" name="Picture 1"/>
           <p:cNvPicPr>
             <a:picLocks noGrp="1" noChangeAspect="1"/>
           </p:cNvPicPr>
@@ -2497,9 +4043,6 @@
       </p:pic>
     </p:spTree>
   </p:cSld>
-  <p:clrMapOvr>
-    <a:masterClrMapping/>
-  </p:clrMapOvr>
 </p:sld>
 </file>
 
@@ -2538,18 +4081,19 @@
         </p:nvSpPr>
         <p:spPr>
           <a:xfrm>
-            <a:off x="838199" y="362260"/>
-            <a:ext cx="6304722" cy="637553"/>
+            <a:off x="838198" y="362260"/>
+            <a:ext cx="8486957" cy="637553"/>
           </a:xfrm>
         </p:spPr>
         <p:txBody>
           <a:bodyPr/>
           <a:lstStyle/>
           <a:p>
-            <a:pPr marL="0" lvl="0" indent="0">
+            <a:pPr lvl="0" marL="0" indent="0">
               <a:buNone/>
             </a:pPr>
             <a:r>
+              <a:rPr/>
               <a:t>Table of Contents</a:t>
             </a:r>
           </a:p>
@@ -2581,7 +4125,7 @@
               <a:rPr>
                 <a:hlinkClick r:id="rId2" action="ppaction://hlinksldjump"/>
               </a:rPr>
-              <a:t>1 R Markdown 的历史</a:t>
+              <a:t>R Markdown 的历史</a:t>
             </a:r>
           </a:p>
           <a:p>
@@ -2590,16 +4134,13 @@
               <a:rPr>
                 <a:hlinkClick r:id="rId3" action="ppaction://hlinksldjump"/>
               </a:rPr>
-              <a:t>2 R Markdown的工作原理</a:t>
+              <a:t>R Markdown的工作原理</a:t>
             </a:r>
           </a:p>
         </p:txBody>
       </p:sp>
     </p:spTree>
   </p:cSld>
-  <p:clrMapOvr>
-    <a:masterClrMapping/>
-  </p:clrMapOvr>
 </p:sld>
 </file>
 
@@ -2640,20 +4181,34 @@
           <a:bodyPr/>
           <a:lstStyle/>
           <a:p>
-            <a:pPr marL="0" lvl="0" indent="0">
+            <a:pPr lvl="0" marL="0" indent="0">
               <a:buNone/>
             </a:pPr>
             <a:r>
-              <a:t>1 R Markdown 的历史</a:t>
+              <a:rPr/>
+              <a:t>R</a:t>
+            </a:r>
+            <a:r>
+              <a:rPr/>
+              <a:t> </a:t>
+            </a:r>
+            <a:r>
+              <a:rPr/>
+              <a:t>Markdown</a:t>
+            </a:r>
+            <a:r>
+              <a:rPr/>
+              <a:t> </a:t>
+            </a:r>
+            <a:r>
+              <a:rPr/>
+              <a:t>的历史</a:t>
             </a:r>
           </a:p>
         </p:txBody>
       </p:sp>
     </p:spTree>
   </p:cSld>
-  <p:clrMapOvr>
-    <a:masterClrMapping/>
-  </p:clrMapOvr>
 </p:sld>
 </file>
 
@@ -2692,19 +4247,20 @@
         </p:nvSpPr>
         <p:spPr>
           <a:xfrm>
-            <a:off x="838199" y="362260"/>
-            <a:ext cx="6304722" cy="637553"/>
+            <a:off x="838198" y="362260"/>
+            <a:ext cx="8486957" cy="637553"/>
           </a:xfrm>
         </p:spPr>
         <p:txBody>
           <a:bodyPr/>
           <a:lstStyle/>
           <a:p>
-            <a:pPr marL="0" lvl="0" indent="0">
+            <a:pPr lvl="0" marL="0" indent="0">
               <a:buNone/>
             </a:pPr>
             <a:r>
-              <a:t>1.1 时间节点</a:t>
+              <a:rPr/>
+              <a:t>时间节点</a:t>
             </a:r>
           </a:p>
         </p:txBody>
@@ -2730,10 +4286,11 @@
           <a:bodyPr/>
           <a:lstStyle/>
           <a:p>
-            <a:pPr marL="0" lvl="0" indent="0">
+            <a:pPr lvl="0" marL="0" indent="0">
               <a:buNone/>
             </a:pPr>
             <a:r>
+              <a:rPr/>
               <a:t>R Markdown始于2012年，配合</a:t>
             </a:r>
             <a:r>
@@ -2743,20 +4300,23 @@
               <a:t>knitr</a:t>
             </a:r>
             <a:r>
+              <a:rPr/>
               <a:t> package进行格式转化</a:t>
             </a:r>
           </a:p>
           <a:p>
             <a:pPr lvl="1"/>
             <a:r>
+              <a:rPr/>
               <a:t>但那时候功能非常有限，尤其表格、数学公式、引用等都不完善</a:t>
             </a:r>
           </a:p>
           <a:p>
-            <a:pPr marL="0" lvl="0" indent="0">
+            <a:pPr lvl="0" marL="0" indent="0">
               <a:buNone/>
             </a:pPr>
             <a:r>
+              <a:rPr/>
               <a:t>2014年</a:t>
             </a:r>
             <a:r>
@@ -2766,14 +4326,16 @@
               <a:t>rmarkdown</a:t>
             </a:r>
             <a:r>
+              <a:rPr/>
               <a:t> package 诞生了</a:t>
             </a:r>
           </a:p>
           <a:p>
-            <a:pPr marL="0" lvl="0" indent="0">
+            <a:pPr lvl="0" marL="0" indent="0">
               <a:buNone/>
             </a:pPr>
             <a:r>
+              <a:rPr/>
               <a:t>经过6年多的发展，R Markdown已经形成完整生态，功能越发强大</a:t>
             </a:r>
           </a:p>
@@ -2799,9 +4361,6 @@
       </p:sp>
     </p:spTree>
   </p:cSld>
-  <p:clrMapOvr>
-    <a:masterClrMapping/>
-  </p:clrMapOvr>
 </p:sld>
 </file>
 
@@ -2848,18 +4407,35 @@
           <a:bodyPr/>
           <a:lstStyle/>
           <a:p>
-            <a:pPr marL="0" lvl="0" indent="0">
+            <a:pPr lvl="0" marL="0" indent="0">
               <a:buNone/>
             </a:pPr>
             <a:r>
-              <a:t>1.2 R Markdown 关键人物</a:t>
+              <a:rPr/>
+              <a:t>R</a:t>
+            </a:r>
+            <a:r>
+              <a:rPr/>
+              <a:t> </a:t>
+            </a:r>
+            <a:r>
+              <a:rPr/>
+              <a:t>Markdown</a:t>
+            </a:r>
+            <a:r>
+              <a:rPr/>
+              <a:t> </a:t>
+            </a:r>
+            <a:r>
+              <a:rPr/>
+              <a:t>关键人物</a:t>
             </a:r>
           </a:p>
         </p:txBody>
       </p:sp>
       <p:pic>
         <p:nvPicPr>
-          <p:cNvPr id="2" name="Picture 1" descr="images/xie.png"/>
+          <p:cNvPr descr="images/xie.png" id="0" name="Picture 1"/>
           <p:cNvPicPr>
             <a:picLocks noGrp="1" noChangeAspect="1"/>
           </p:cNvPicPr>
@@ -2889,7 +4465,7 @@
       </p:pic>
       <p:sp>
         <p:nvSpPr>
-          <p:cNvPr id="3" name="TextBox 3"/>
+          <p:cNvPr id="1" name="TextBox 3"/>
           <p:cNvSpPr txBox="1"/>
           <p:nvPr/>
         </p:nvSpPr>
@@ -2907,7 +4483,7 @@
           <a:bodyPr/>
           <a:lstStyle/>
           <a:p>
-            <a:pPr marL="0" lvl="0" indent="0" algn="ctr">
+            <a:pPr lvl="0" marL="0" indent="0" algn="ctr">
               <a:buNone/>
             </a:pPr>
             <a:r>
@@ -2918,25 +4494,25 @@
             </a:r>
             <a:r>
               <a:rPr>
-                <a:hlinkClick r:id="rId3"/>
+                <a:hlinkClick r:id="rId4"/>
               </a:rPr>
               <a:t> </a:t>
             </a:r>
             <a:r>
               <a:rPr>
-                <a:hlinkClick r:id="rId3"/>
+                <a:hlinkClick r:id="rId5"/>
               </a:rPr>
               <a:t>Xie</a:t>
             </a:r>
             <a:r>
               <a:rPr>
-                <a:hlinkClick r:id="rId3"/>
+                <a:hlinkClick r:id="rId6"/>
               </a:rPr>
               <a:t> </a:t>
             </a:r>
             <a:r>
               <a:rPr>
-                <a:hlinkClick r:id="rId3"/>
+                <a:hlinkClick r:id="rId7"/>
               </a:rPr>
               <a:t>谢益辉</a:t>
             </a:r>
@@ -2945,14 +4521,14 @@
       </p:sp>
       <p:pic>
         <p:nvPicPr>
-          <p:cNvPr id="4" name="Picture 1" descr="images/HadleyWickham.jpg"/>
+          <p:cNvPr descr="images/HadleyWickham.jpg" id="0" name="Picture 1"/>
           <p:cNvPicPr>
             <a:picLocks noGrp="1" noChangeAspect="1"/>
           </p:cNvPicPr>
           <p:nvPr/>
         </p:nvPicPr>
         <p:blipFill>
-          <a:blip r:embed="rId4"/>
+          <a:blip r:embed="rId8"/>
           <a:stretch>
             <a:fillRect/>
           </a:stretch>
@@ -2975,7 +4551,7 @@
       </p:pic>
       <p:sp>
         <p:nvSpPr>
-          <p:cNvPr id="5" name="TextBox 3"/>
+          <p:cNvPr id="1" name="TextBox 3"/>
           <p:cNvSpPr txBox="1"/>
           <p:nvPr/>
         </p:nvSpPr>
@@ -2993,24 +4569,24 @@
           <a:bodyPr/>
           <a:lstStyle/>
           <a:p>
-            <a:pPr marL="0" lvl="0" indent="0" algn="ctr">
+            <a:pPr lvl="0" marL="0" indent="0" algn="ctr">
               <a:buNone/>
             </a:pPr>
             <a:r>
               <a:rPr>
-                <a:hlinkClick r:id="rId5"/>
+                <a:hlinkClick r:id="rId9"/>
               </a:rPr>
               <a:t>Hadley</a:t>
             </a:r>
             <a:r>
               <a:rPr>
-                <a:hlinkClick r:id="rId5"/>
+                <a:hlinkClick r:id="rId10"/>
               </a:rPr>
               <a:t> </a:t>
             </a:r>
             <a:r>
               <a:rPr>
-                <a:hlinkClick r:id="rId5"/>
+                <a:hlinkClick r:id="rId11"/>
               </a:rPr>
               <a:t>Wickham</a:t>
             </a:r>
@@ -3019,9 +4595,6 @@
       </p:sp>
     </p:spTree>
   </p:cSld>
-  <p:clrMapOvr>
-    <a:masterClrMapping/>
-  </p:clrMapOvr>
 </p:sld>
 </file>
 
@@ -3062,20 +4635,26 @@
           <a:bodyPr/>
           <a:lstStyle/>
           <a:p>
-            <a:pPr marL="0" lvl="0" indent="0">
+            <a:pPr lvl="0" marL="0" indent="0">
               <a:buNone/>
             </a:pPr>
             <a:r>
-              <a:t>2 R Markdown的工作原理</a:t>
+              <a:rPr/>
+              <a:t>R</a:t>
+            </a:r>
+            <a:r>
+              <a:rPr/>
+              <a:t> </a:t>
+            </a:r>
+            <a:r>
+              <a:rPr/>
+              <a:t>Markdown的工作原理</a:t>
             </a:r>
           </a:p>
         </p:txBody>
       </p:sp>
     </p:spTree>
   </p:cSld>
-  <p:clrMapOvr>
-    <a:masterClrMapping/>
-  </p:clrMapOvr>
 </p:sld>
 </file>
 
@@ -3114,26 +4693,29 @@
         </p:nvSpPr>
         <p:spPr>
           <a:xfrm>
-            <a:off x="838199" y="362260"/>
-            <a:ext cx="6304722" cy="637553"/>
+            <a:off x="838198" y="362260"/>
+            <a:ext cx="8486957" cy="637553"/>
           </a:xfrm>
         </p:spPr>
         <p:txBody>
           <a:bodyPr/>
           <a:lstStyle/>
           <a:p>
-            <a:pPr marL="0" lvl="0" indent="0">
+            <a:pPr lvl="0" marL="0" indent="0">
               <a:buNone/>
             </a:pPr>
             <a:r>
-              <a:rPr dirty="0"/>
-              <a:t>2.1 R </a:t>
-            </a:r>
-            <a:r>
-              <a:rPr dirty="0" err="1"/>
+              <a:rPr/>
+              <a:t>R</a:t>
+            </a:r>
+            <a:r>
+              <a:rPr/>
+              <a:t> </a:t>
+            </a:r>
+            <a:r>
+              <a:rPr/>
               <a:t>Markdown站在巨人的肩膀上</a:t>
             </a:r>
-            <a:endParaRPr dirty="0"/>
           </a:p>
         </p:txBody>
       </p:sp>
@@ -3158,18 +4740,20 @@
           <a:bodyPr/>
           <a:lstStyle/>
           <a:p>
-            <a:pPr marL="0" lvl="0" indent="0">
+            <a:pPr lvl="0" marL="0" indent="0">
               <a:buNone/>
             </a:pPr>
             <a:r>
+              <a:rPr/>
               <a:t>R Markdown 主要依赖两个包来运行和输出（knitr and Pandoc）</a:t>
             </a:r>
           </a:p>
           <a:p>
-            <a:pPr marL="0" lvl="0" indent="0">
+            <a:pPr lvl="0" marL="0" indent="0">
               <a:buNone/>
             </a:pPr>
             <a:r>
+              <a:rPr/>
               <a:t>安装</a:t>
             </a:r>
             <a:r>
@@ -3179,6 +4763,7 @@
               <a:t>rmarkdown</a:t>
             </a:r>
             <a:r>
+              <a:rPr/>
               <a:t>以后，会自动集成knitr 和 Pandoc</a:t>
             </a:r>
           </a:p>
@@ -3186,9 +4771,6 @@
       </p:sp>
     </p:spTree>
   </p:cSld>
-  <p:clrMapOvr>
-    <a:masterClrMapping/>
-  </p:clrMapOvr>
 </p:sld>
 </file>
 
@@ -3211,7 +4793,7 @@
       </p:grpSpPr>
       <p:pic>
         <p:nvPicPr>
-          <p:cNvPr id="2" name="Picture 1" descr="images/rmd_flow.png"/>
+          <p:cNvPr descr="images/rmd_flow.png" id="0" name="Picture 1"/>
           <p:cNvPicPr>
             <a:picLocks noGrp="1" noChangeAspect="1"/>
           </p:cNvPicPr>
@@ -3241,7 +4823,7 @@
       </p:pic>
       <p:sp>
         <p:nvSpPr>
-          <p:cNvPr id="3" name="TextBox 3"/>
+          <p:cNvPr id="1" name="TextBox 3"/>
           <p:cNvSpPr txBox="1"/>
           <p:nvPr/>
         </p:nvSpPr>
@@ -3259,10 +4841,11 @@
           <a:bodyPr/>
           <a:lstStyle/>
           <a:p>
-            <a:pPr marL="0" lvl="0" indent="0" algn="ctr">
+            <a:pPr lvl="0" marL="0" indent="0" algn="ctr">
               <a:buNone/>
             </a:pPr>
             <a:r>
+              <a:rPr/>
               <a:t>workflow</a:t>
             </a:r>
           </a:p>
@@ -3270,9 +4853,6 @@
       </p:sp>
     </p:spTree>
   </p:cSld>
-  <p:clrMapOvr>
-    <a:masterClrMapping/>
-  </p:clrMapOvr>
 </p:sld>
 </file>
 
@@ -3311,19 +4891,28 @@
         </p:nvSpPr>
         <p:spPr>
           <a:xfrm>
-            <a:off x="838199" y="362260"/>
-            <a:ext cx="6304722" cy="637553"/>
+            <a:off x="838198" y="362260"/>
+            <a:ext cx="8486957" cy="637553"/>
           </a:xfrm>
         </p:spPr>
         <p:txBody>
           <a:bodyPr/>
           <a:lstStyle/>
           <a:p>
-            <a:pPr marL="0" lvl="0" indent="0">
+            <a:pPr lvl="0" marL="0" indent="0">
               <a:buNone/>
             </a:pPr>
             <a:r>
-              <a:t>2.2 R Markdown基础包安装</a:t>
+              <a:rPr/>
+              <a:t>R</a:t>
+            </a:r>
+            <a:r>
+              <a:rPr/>
+              <a:t> </a:t>
+            </a:r>
+            <a:r>
+              <a:rPr/>
+              <a:t>Markdown基础包安装</a:t>
             </a:r>
           </a:p>
         </p:txBody>
@@ -3349,23 +4938,34 @@
           <a:bodyPr/>
           <a:lstStyle/>
           <a:p>
-            <a:pPr marL="0" lvl="0" indent="0">
+            <a:pPr lvl="0" marL="0" indent="0">
               <a:buNone/>
             </a:pPr>
             <a:r>
-              <a:t>pdf格式的输出需要tinytex，这个包同样是谢益辉在维护。</a:t>
-            </a:r>
-          </a:p>
-          <a:p>
-            <a:pPr marL="0" lvl="0" indent="0">
+              <a:rPr/>
+              <a:t>html和pdf是R Markdown输出最基础的格式，html相对简单</a:t>
+            </a:r>
+          </a:p>
+          <a:p>
+            <a:pPr lvl="0" marL="0" indent="0">
               <a:buNone/>
             </a:pPr>
             <a:r>
-              <a:t>TeX Live、Ctex等TeX工具包的安装是繁重而痛苦的。</a:t>
-            </a:r>
-          </a:p>
-          <a:p>
-            <a:pPr marL="0" lvl="0" indent="0">
+              <a:rPr/>
+              <a:t>pdf格式的输出需要tinytex，这个包同样是谢益辉在维护</a:t>
+            </a:r>
+          </a:p>
+          <a:p>
+            <a:pPr lvl="0" marL="0" indent="0">
+              <a:buNone/>
+            </a:pPr>
+            <a:r>
+              <a:rPr/>
+              <a:t>TeX Live、Ctex等TeX工具包的安装是繁重而痛苦的</a:t>
+            </a:r>
+          </a:p>
+          <a:p>
+            <a:pPr lvl="0" marL="0" indent="0">
               <a:buNone/>
             </a:pPr>
             <a:r>
@@ -3483,9 +5083,6 @@
       </p:sp>
     </p:spTree>
   </p:cSld>
-  <p:clrMapOvr>
-    <a:masterClrMapping/>
-  </p:clrMapOvr>
 </p:sld>
 </file>
 

--- a/slides/01.History&Works/01-History-Works.pptx
+++ b/slides/01.History&Works/01-History-Works.pptx
@@ -16,6 +16,15 @@
     <p:sldId id="264" r:id="rId10"/>
     <p:sldId id="265" r:id="rId11"/>
     <p:sldId id="266" r:id="rId12"/>
+    <p:sldId id="267" r:id="rId13"/>
+    <p:sldId id="268" r:id="rId14"/>
+    <p:sldId id="269" r:id="rId15"/>
+    <p:sldId id="270" r:id="rId16"/>
+    <p:sldId id="271" r:id="rId17"/>
+    <p:sldId id="272" r:id="rId18"/>
+    <p:sldId id="273" r:id="rId19"/>
+    <p:sldId id="274" r:id="rId20"/>
+    <p:sldId id="275" r:id="rId21"/>
   </p:sldIdLst>
   <p:sldSz cx="12192000" cy="6858000"/>
   <p:notesSz cx="6858000" cy="9144000"/>
@@ -3924,15 +3933,69 @@
             </a:pPr>
             <a:r>
               <a:rPr/>
-              <a:t>R</a:t>
-            </a:r>
-            <a:r>
-              <a:rPr/>
-              <a:t> </a:t>
-            </a:r>
-            <a:r>
-              <a:rPr/>
-              <a:t>Markdown::render</a:t>
+              <a:t>点击knit按钮时发生了什么-2</a:t>
+            </a:r>
+          </a:p>
+        </p:txBody>
+      </p:sp>
+      <p:pic>
+        <p:nvPicPr>
+          <p:cNvPr descr="images/htmlvpdf.png" id="0" name="Picture 1"/>
+          <p:cNvPicPr>
+            <a:picLocks noGrp="1" noChangeAspect="1"/>
+          </p:cNvPicPr>
+          <p:nvPr/>
+        </p:nvPicPr>
+        <p:blipFill>
+          <a:blip r:embed="rId2"/>
+          <a:stretch>
+            <a:fillRect/>
+          </a:stretch>
+        </p:blipFill>
+        <p:spPr bwMode="auto">
+          <a:xfrm>
+            <a:off x="825500" y="2159000"/>
+            <a:ext cx="10858500" cy="2819400"/>
+          </a:xfrm>
+          <a:prstGeom prst="rect">
+            <a:avLst/>
+          </a:prstGeom>
+          <a:noFill/>
+          <a:ln w="9525">
+            <a:noFill/>
+            <a:headEnd/>
+            <a:tailEnd/>
+          </a:ln>
+        </p:spPr>
+      </p:pic>
+      <p:sp>
+        <p:nvSpPr>
+          <p:cNvPr id="1" name="TextBox 3"/>
+          <p:cNvSpPr txBox="1"/>
+          <p:nvPr/>
+        </p:nvSpPr>
+        <p:spPr>
+          <a:xfrm>
+            <a:off x="825500" y="5651500"/>
+            <a:ext cx="10858500" cy="508000"/>
+          </a:xfrm>
+          <a:prstGeom prst="rect">
+            <a:avLst/>
+          </a:prstGeom>
+          <a:noFill/>
+        </p:spPr>
+        <p:txBody>
+          <a:bodyPr/>
+          <a:lstStyle/>
+          <a:p>
+            <a:pPr lvl="0" marL="0" indent="0" algn="ctr">
+              <a:buNone/>
+            </a:pPr>
+            <a:r>
+              <a:rPr>
+                <a:hlinkClick r:id="rId3"/>
+              </a:rPr>
+              <a:t>点击按钮时执行了rmarkdown::render()命令，pdf生成需要TeX</a:t>
             </a:r>
           </a:p>
         </p:txBody>
@@ -3961,6 +4024,74 @@
       </p:grpSpPr>
       <p:sp>
         <p:nvSpPr>
+          <p:cNvPr id="7" name="Title 1"/>
+          <p:cNvSpPr>
+            <a:spLocks noGrp="1"/>
+          </p:cNvSpPr>
+          <p:nvPr>
+            <p:ph type="ctrTitle"/>
+          </p:nvPr>
+        </p:nvSpPr>
+        <p:spPr>
+          <a:xfrm>
+            <a:off x="1783577" y="4036880"/>
+            <a:ext cx="8463639" cy="862715"/>
+          </a:xfrm>
+        </p:spPr>
+        <p:txBody>
+          <a:bodyPr/>
+          <a:lstStyle/>
+          <a:p>
+            <a:pPr lvl="0" marL="0" indent="0">
+              <a:buNone/>
+            </a:pPr>
+            <a:r>
+              <a:rPr/>
+              <a:t>R</a:t>
+            </a:r>
+            <a:r>
+              <a:rPr/>
+              <a:t> </a:t>
+            </a:r>
+            <a:r>
+              <a:rPr/>
+              <a:t>Markdown</a:t>
+            </a:r>
+            <a:r>
+              <a:rPr/>
+              <a:t> </a:t>
+            </a:r>
+            <a:r>
+              <a:rPr/>
+              <a:t>文档的结构</a:t>
+            </a:r>
+          </a:p>
+        </p:txBody>
+      </p:sp>
+    </p:spTree>
+  </p:cSld>
+</p:sld>
+</file>
+
+<file path=ppt/slides/slide12.xml><?xml version="1.0" encoding="utf-8"?>
+<p:sld xmlns:a="http://schemas.openxmlformats.org/drawingml/2006/main" xmlns:r="http://schemas.openxmlformats.org/officeDocument/2006/relationships" xmlns:p="http://schemas.openxmlformats.org/presentationml/2006/main">
+  <p:cSld>
+    <p:spTree>
+      <p:nvGrpSpPr>
+        <p:cNvPr id="1" name=""/>
+        <p:cNvGrpSpPr/>
+        <p:nvPr/>
+      </p:nvGrpSpPr>
+      <p:grpSpPr>
+        <a:xfrm>
+          <a:off x="0" y="0"/>
+          <a:ext cx="0" cy="0"/>
+          <a:chOff x="0" y="0"/>
+          <a:chExt cx="0" cy="0"/>
+        </a:xfrm>
+      </p:grpSpPr>
+      <p:sp>
+        <p:nvSpPr>
           <p:cNvPr id="11" name="Title 1">
             <a:extLst>
               <a:ext uri="{FF2B5EF4-FFF2-40B4-BE49-F238E27FC236}">
@@ -3990,7 +4121,7 @@
             </a:pPr>
             <a:r>
               <a:rPr/>
-              <a:t>Slide</a:t>
+              <a:t>R</a:t>
             </a:r>
             <a:r>
               <a:rPr/>
@@ -3998,22 +4129,14 @@
             </a:r>
             <a:r>
               <a:rPr/>
-              <a:t>with</a:t>
-            </a:r>
-            <a:r>
-              <a:rPr/>
-              <a:t> </a:t>
-            </a:r>
-            <a:r>
-              <a:rPr/>
-              <a:t>Plot</a:t>
+              <a:t>Markdown主要由三个部分组成</a:t>
             </a:r>
           </a:p>
         </p:txBody>
       </p:sp>
       <p:pic>
         <p:nvPicPr>
-          <p:cNvPr descr="01-History-Works_files/figure-pptx/pressure-1.png" id="0" name="Picture 1"/>
+          <p:cNvPr descr="images/rm_anatomy.png" id="0" name="Picture 1"/>
           <p:cNvPicPr>
             <a:picLocks noGrp="1" noChangeAspect="1"/>
           </p:cNvPicPr>
@@ -4027,8 +4150,8 @@
         </p:blipFill>
         <p:spPr bwMode="auto">
           <a:xfrm>
-            <a:off x="3327400" y="1485900"/>
-            <a:ext cx="5842000" cy="4673600"/>
+            <a:off x="2552700" y="1485900"/>
+            <a:ext cx="7404100" cy="4165600"/>
           </a:xfrm>
           <a:prstGeom prst="rect">
             <a:avLst/>
@@ -4041,6 +4164,943 @@
           </a:ln>
         </p:spPr>
       </p:pic>
+      <p:sp>
+        <p:nvSpPr>
+          <p:cNvPr id="1" name="TextBox 3"/>
+          <p:cNvSpPr txBox="1"/>
+          <p:nvPr/>
+        </p:nvSpPr>
+        <p:spPr>
+          <a:xfrm>
+            <a:off x="825500" y="5651500"/>
+            <a:ext cx="10858500" cy="508000"/>
+          </a:xfrm>
+          <a:prstGeom prst="rect">
+            <a:avLst/>
+          </a:prstGeom>
+          <a:noFill/>
+        </p:spPr>
+        <p:txBody>
+          <a:bodyPr/>
+          <a:lstStyle/>
+          <a:p>
+            <a:pPr lvl="0" marL="0" indent="0" algn="ctr">
+              <a:buNone/>
+            </a:pPr>
+            <a:r>
+              <a:rPr>
+                <a:hlinkClick r:id="rId3"/>
+              </a:rPr>
+              <a:t>来源:https://alexd106.github.io/intro2R/Rmarkdown_intro.html</a:t>
+            </a:r>
+          </a:p>
+        </p:txBody>
+      </p:sp>
+    </p:spTree>
+  </p:cSld>
+</p:sld>
+</file>
+
+<file path=ppt/slides/slide13.xml><?xml version="1.0" encoding="utf-8"?>
+<p:sld xmlns:a="http://schemas.openxmlformats.org/drawingml/2006/main" xmlns:r="http://schemas.openxmlformats.org/officeDocument/2006/relationships" xmlns:p="http://schemas.openxmlformats.org/presentationml/2006/main">
+  <p:cSld>
+    <p:spTree>
+      <p:nvGrpSpPr>
+        <p:cNvPr id="1" name=""/>
+        <p:cNvGrpSpPr/>
+        <p:nvPr/>
+      </p:nvGrpSpPr>
+      <p:grpSpPr>
+        <a:xfrm>
+          <a:off x="0" y="0"/>
+          <a:ext cx="0" cy="0"/>
+          <a:chOff x="0" y="0"/>
+          <a:chExt cx="0" cy="0"/>
+        </a:xfrm>
+      </p:grpSpPr>
+      <p:sp>
+        <p:nvSpPr>
+          <p:cNvPr id="7" name="Title 1"/>
+          <p:cNvSpPr>
+            <a:spLocks noGrp="1"/>
+          </p:cNvSpPr>
+          <p:nvPr>
+            <p:ph type="ctrTitle"/>
+          </p:nvPr>
+        </p:nvSpPr>
+        <p:spPr>
+          <a:xfrm>
+            <a:off x="1783577" y="4036880"/>
+            <a:ext cx="8463639" cy="862715"/>
+          </a:xfrm>
+        </p:spPr>
+        <p:txBody>
+          <a:bodyPr/>
+          <a:lstStyle/>
+          <a:p>
+            <a:pPr lvl="0" marL="0" indent="0">
+              <a:buNone/>
+            </a:pPr>
+            <a:r>
+              <a:rPr/>
+              <a:t>R</a:t>
+            </a:r>
+            <a:r>
+              <a:rPr/>
+              <a:t> </a:t>
+            </a:r>
+            <a:r>
+              <a:rPr/>
+              <a:t>Markdown学术应用场景</a:t>
+            </a:r>
+          </a:p>
+        </p:txBody>
+      </p:sp>
+    </p:spTree>
+  </p:cSld>
+</p:sld>
+</file>
+
+<file path=ppt/slides/slide14.xml><?xml version="1.0" encoding="utf-8"?>
+<p:sld xmlns:a="http://schemas.openxmlformats.org/drawingml/2006/main" xmlns:r="http://schemas.openxmlformats.org/officeDocument/2006/relationships" xmlns:p="http://schemas.openxmlformats.org/presentationml/2006/main">
+  <p:cSld>
+    <p:spTree>
+      <p:nvGrpSpPr>
+        <p:cNvPr id="1" name=""/>
+        <p:cNvGrpSpPr/>
+        <p:nvPr/>
+      </p:nvGrpSpPr>
+      <p:grpSpPr>
+        <a:xfrm>
+          <a:off x="0" y="0"/>
+          <a:ext cx="0" cy="0"/>
+          <a:chOff x="0" y="0"/>
+          <a:chExt cx="0" cy="0"/>
+        </a:xfrm>
+      </p:grpSpPr>
+      <p:sp>
+        <p:nvSpPr>
+          <p:cNvPr id="11" name="Title 1">
+            <a:extLst>
+              <a:ext uri="{FF2B5EF4-FFF2-40B4-BE49-F238E27FC236}">
+                <a16:creationId xmlns:a16="http://schemas.microsoft.com/office/drawing/2014/main" id="{2391D614-6EEB-4C42-A746-C9FB67E11481}"/>
+              </a:ext>
+            </a:extLst>
+          </p:cNvPr>
+          <p:cNvSpPr>
+            <a:spLocks noGrp="1"/>
+          </p:cNvSpPr>
+          <p:nvPr>
+            <p:ph type="title"/>
+          </p:nvPr>
+        </p:nvSpPr>
+        <p:spPr>
+          <a:xfrm>
+            <a:off x="838198" y="362260"/>
+            <a:ext cx="8486957" cy="637553"/>
+          </a:xfrm>
+        </p:spPr>
+        <p:txBody>
+          <a:bodyPr/>
+          <a:lstStyle/>
+          <a:p>
+            <a:pPr lvl="0" marL="0" indent="0">
+              <a:buNone/>
+            </a:pPr>
+            <a:r>
+              <a:rPr/>
+              <a:t>主要应用场景及对应的R包</a:t>
+            </a:r>
+          </a:p>
+        </p:txBody>
+      </p:sp>
+      <p:sp>
+        <p:nvSpPr>
+          <p:cNvPr id="12" name="Content Placeholder 2">
+            <a:extLst>
+              <a:ext uri="{FF2B5EF4-FFF2-40B4-BE49-F238E27FC236}">
+                <a16:creationId xmlns:a16="http://schemas.microsoft.com/office/drawing/2014/main" id="{91E23ACD-CC52-4FE4-A28E-15DDE627EE00}"/>
+              </a:ext>
+            </a:extLst>
+          </p:cNvPr>
+          <p:cNvSpPr>
+            <a:spLocks noGrp="1"/>
+          </p:cNvSpPr>
+          <p:nvPr>
+            <p:ph idx="1"/>
+          </p:nvPr>
+        </p:nvSpPr>
+        <p:spPr/>
+        <p:txBody>
+          <a:bodyPr/>
+          <a:lstStyle/>
+          <a:p>
+            <a:pPr lvl="1" indent="0">
+              <a:buNone/>
+            </a:pPr>
+            <a:r>
+              <a:rPr>
+                <a:latin typeface="Courier"/>
+              </a:rPr>
+              <a:t>写论文 - rmarkdown/rticles/pagedown</a:t>
+            </a:r>
+          </a:p>
+          <a:p>
+            <a:pPr lvl="1" indent="0">
+              <a:buNone/>
+            </a:pPr>
+            <a:r>
+              <a:rPr>
+                <a:latin typeface="Courier"/>
+              </a:rPr>
+              <a:t>写书 - bookdown</a:t>
+            </a:r>
+          </a:p>
+          <a:p>
+            <a:pPr lvl="1" indent="0">
+              <a:buNone/>
+            </a:pPr>
+            <a:r>
+              <a:rPr>
+                <a:latin typeface="Courier"/>
+              </a:rPr>
+              <a:t>写毕业论文 - thesisdown</a:t>
+            </a:r>
+          </a:p>
+          <a:p>
+            <a:pPr lvl="1" indent="0">
+              <a:buNone/>
+            </a:pPr>
+            <a:r>
+              <a:rPr>
+                <a:latin typeface="Courier"/>
+              </a:rPr>
+              <a:t>写学术墙报 - posterdown</a:t>
+            </a:r>
+          </a:p>
+          <a:p>
+            <a:pPr lvl="1" indent="0">
+              <a:buNone/>
+            </a:pPr>
+            <a:r>
+              <a:rPr>
+                <a:latin typeface="Courier"/>
+              </a:rPr>
+              <a:t>写简历 - vitae</a:t>
+            </a:r>
+          </a:p>
+          <a:p>
+            <a:pPr lvl="1" indent="0">
+              <a:buNone/>
+            </a:pPr>
+            <a:r>
+              <a:rPr>
+                <a:latin typeface="Courier"/>
+              </a:rPr>
+              <a:t>学术网站 ... - blogdown/distill ...</a:t>
+            </a:r>
+          </a:p>
+        </p:txBody>
+      </p:sp>
+    </p:spTree>
+  </p:cSld>
+</p:sld>
+</file>
+
+<file path=ppt/slides/slide15.xml><?xml version="1.0" encoding="utf-8"?>
+<p:sld xmlns:a="http://schemas.openxmlformats.org/drawingml/2006/main" xmlns:r="http://schemas.openxmlformats.org/officeDocument/2006/relationships" xmlns:p="http://schemas.openxmlformats.org/presentationml/2006/main">
+  <p:cSld>
+    <p:spTree>
+      <p:nvGrpSpPr>
+        <p:cNvPr id="1" name=""/>
+        <p:cNvGrpSpPr/>
+        <p:nvPr/>
+      </p:nvGrpSpPr>
+      <p:grpSpPr>
+        <a:xfrm>
+          <a:off x="0" y="0"/>
+          <a:ext cx="0" cy="0"/>
+          <a:chOff x="0" y="0"/>
+          <a:chExt cx="0" cy="0"/>
+        </a:xfrm>
+      </p:grpSpPr>
+      <p:sp>
+        <p:nvSpPr>
+          <p:cNvPr id="7" name="Title 1"/>
+          <p:cNvSpPr>
+            <a:spLocks noGrp="1"/>
+          </p:cNvSpPr>
+          <p:nvPr>
+            <p:ph type="ctrTitle"/>
+          </p:nvPr>
+        </p:nvSpPr>
+        <p:spPr>
+          <a:xfrm>
+            <a:off x="1783577" y="4036880"/>
+            <a:ext cx="8463639" cy="862715"/>
+          </a:xfrm>
+        </p:spPr>
+        <p:txBody>
+          <a:bodyPr/>
+          <a:lstStyle/>
+          <a:p>
+            <a:pPr lvl="0" marL="0" indent="0">
+              <a:buNone/>
+            </a:pPr>
+            <a:r>
+              <a:rPr/>
+              <a:t>Rstudio的安装、设置和包管理</a:t>
+            </a:r>
+          </a:p>
+        </p:txBody>
+      </p:sp>
+    </p:spTree>
+  </p:cSld>
+</p:sld>
+</file>
+
+<file path=ppt/slides/slide16.xml><?xml version="1.0" encoding="utf-8"?>
+<p:sld xmlns:a="http://schemas.openxmlformats.org/drawingml/2006/main" xmlns:r="http://schemas.openxmlformats.org/officeDocument/2006/relationships" xmlns:p="http://schemas.openxmlformats.org/presentationml/2006/main">
+  <p:cSld>
+    <p:spTree>
+      <p:nvGrpSpPr>
+        <p:cNvPr id="1" name=""/>
+        <p:cNvGrpSpPr/>
+        <p:nvPr/>
+      </p:nvGrpSpPr>
+      <p:grpSpPr>
+        <a:xfrm>
+          <a:off x="0" y="0"/>
+          <a:ext cx="0" cy="0"/>
+          <a:chOff x="0" y="0"/>
+          <a:chExt cx="0" cy="0"/>
+        </a:xfrm>
+      </p:grpSpPr>
+      <p:sp>
+        <p:nvSpPr>
+          <p:cNvPr id="11" name="Title 1">
+            <a:extLst>
+              <a:ext uri="{FF2B5EF4-FFF2-40B4-BE49-F238E27FC236}">
+                <a16:creationId xmlns:a16="http://schemas.microsoft.com/office/drawing/2014/main" id="{2391D614-6EEB-4C42-A746-C9FB67E11481}"/>
+              </a:ext>
+            </a:extLst>
+          </p:cNvPr>
+          <p:cNvSpPr>
+            <a:spLocks noGrp="1"/>
+          </p:cNvSpPr>
+          <p:nvPr>
+            <p:ph type="title"/>
+          </p:nvPr>
+        </p:nvSpPr>
+        <p:spPr>
+          <a:xfrm>
+            <a:off x="838198" y="362260"/>
+            <a:ext cx="8486957" cy="637553"/>
+          </a:xfrm>
+        </p:spPr>
+        <p:txBody>
+          <a:bodyPr/>
+          <a:lstStyle/>
+          <a:p>
+            <a:pPr lvl="0" marL="0" indent="0">
+              <a:buNone/>
+            </a:pPr>
+            <a:r>
+              <a:rPr/>
+              <a:t>Rstudio的安装和设置</a:t>
+            </a:r>
+          </a:p>
+        </p:txBody>
+      </p:sp>
+      <p:sp>
+        <p:nvSpPr>
+          <p:cNvPr id="12" name="Content Placeholder 2">
+            <a:extLst>
+              <a:ext uri="{FF2B5EF4-FFF2-40B4-BE49-F238E27FC236}">
+                <a16:creationId xmlns:a16="http://schemas.microsoft.com/office/drawing/2014/main" id="{91E23ACD-CC52-4FE4-A28E-15DDE627EE00}"/>
+              </a:ext>
+            </a:extLst>
+          </p:cNvPr>
+          <p:cNvSpPr>
+            <a:spLocks noGrp="1"/>
+          </p:cNvSpPr>
+          <p:nvPr>
+            <p:ph idx="1"/>
+          </p:nvPr>
+        </p:nvSpPr>
+        <p:spPr/>
+        <p:txBody>
+          <a:bodyPr/>
+          <a:lstStyle/>
+          <a:p>
+            <a:pPr lvl="0" marL="0" indent="0">
+              <a:buNone/>
+            </a:pPr>
+            <a:r>
+              <a:rPr/>
+              <a:t>本教程Rstudio版本必须为1.4，R的版本必须为4.0+，建议都安装最新版本</a:t>
+            </a:r>
+          </a:p>
+          <a:p>
+            <a:pPr lvl="0" marL="0" indent="0">
+              <a:buNone/>
+            </a:pPr>
+            <a:r>
+              <a:rPr/>
+              <a:t>建议安装时，错误提示等均选择英文，不安装中文提示包</a:t>
+            </a:r>
+          </a:p>
+          <a:p>
+            <a:pPr lvl="0" marL="0" indent="0">
+              <a:buNone/>
+            </a:pPr>
+            <a:r>
+              <a:rPr/>
+              <a:t>Rstudio CRAN镜像选为国内，速度快</a:t>
+            </a:r>
+          </a:p>
+          <a:p>
+            <a:pPr lvl="0" marL="0" indent="0">
+              <a:buNone/>
+            </a:pPr>
+            <a:r>
+              <a:rPr/>
+              <a:t>Rstudio Python引擎设定</a:t>
+            </a:r>
+          </a:p>
+          <a:p>
+            <a:pPr lvl="0" marL="0" indent="0">
+              <a:buNone/>
+            </a:pPr>
+            <a:r>
+              <a:rPr/>
+              <a:t>Rstudio pdf 输出引擎设定</a:t>
+            </a:r>
+          </a:p>
+        </p:txBody>
+      </p:sp>
+    </p:spTree>
+  </p:cSld>
+</p:sld>
+</file>
+
+<file path=ppt/slides/slide17.xml><?xml version="1.0" encoding="utf-8"?>
+<p:sld xmlns:a="http://schemas.openxmlformats.org/drawingml/2006/main" xmlns:r="http://schemas.openxmlformats.org/officeDocument/2006/relationships" xmlns:p="http://schemas.openxmlformats.org/presentationml/2006/main">
+  <p:cSld>
+    <p:spTree>
+      <p:nvGrpSpPr>
+        <p:cNvPr id="1" name=""/>
+        <p:cNvGrpSpPr/>
+        <p:nvPr/>
+      </p:nvGrpSpPr>
+      <p:grpSpPr>
+        <a:xfrm>
+          <a:off x="0" y="0"/>
+          <a:ext cx="0" cy="0"/>
+          <a:chOff x="0" y="0"/>
+          <a:chExt cx="0" cy="0"/>
+        </a:xfrm>
+      </p:grpSpPr>
+      <p:sp>
+        <p:nvSpPr>
+          <p:cNvPr id="11" name="Title 1">
+            <a:extLst>
+              <a:ext uri="{FF2B5EF4-FFF2-40B4-BE49-F238E27FC236}">
+                <a16:creationId xmlns:a16="http://schemas.microsoft.com/office/drawing/2014/main" id="{2391D614-6EEB-4C42-A746-C9FB67E11481}"/>
+              </a:ext>
+            </a:extLst>
+          </p:cNvPr>
+          <p:cNvSpPr>
+            <a:spLocks noGrp="1"/>
+          </p:cNvSpPr>
+          <p:nvPr>
+            <p:ph type="title"/>
+          </p:nvPr>
+        </p:nvSpPr>
+        <p:spPr>
+          <a:xfrm>
+            <a:off x="838198" y="362260"/>
+            <a:ext cx="8486957" cy="637553"/>
+          </a:xfrm>
+        </p:spPr>
+        <p:txBody>
+          <a:bodyPr/>
+          <a:lstStyle/>
+          <a:p>
+            <a:pPr lvl="0" marL="0" indent="0">
+              <a:buNone/>
+            </a:pPr>
+            <a:r>
+              <a:rPr/>
+              <a:t>包管理和需要安装的包</a:t>
+            </a:r>
+          </a:p>
+        </p:txBody>
+      </p:sp>
+      <p:sp>
+        <p:nvSpPr>
+          <p:cNvPr id="12" name="Content Placeholder 2">
+            <a:extLst>
+              <a:ext uri="{FF2B5EF4-FFF2-40B4-BE49-F238E27FC236}">
+                <a16:creationId xmlns:a16="http://schemas.microsoft.com/office/drawing/2014/main" id="{91E23ACD-CC52-4FE4-A28E-15DDE627EE00}"/>
+              </a:ext>
+            </a:extLst>
+          </p:cNvPr>
+          <p:cNvSpPr>
+            <a:spLocks noGrp="1"/>
+          </p:cNvSpPr>
+          <p:nvPr>
+            <p:ph idx="1"/>
+          </p:nvPr>
+        </p:nvSpPr>
+        <p:spPr/>
+        <p:txBody>
+          <a:bodyPr/>
+          <a:lstStyle/>
+          <a:p>
+            <a:pPr lvl="0" marL="0" indent="0">
+              <a:buNone/>
+            </a:pPr>
+            <a:r>
+              <a:rPr/>
+              <a:t>关于包管理，建议采用命令行</a:t>
+            </a:r>
+          </a:p>
+          <a:p>
+            <a:pPr lvl="1"/>
+            <a:r>
+              <a:rPr/>
+              <a:t>详见我的</a:t>
+            </a:r>
+            <a:r>
+              <a:rPr>
+                <a:hlinkClick r:id="rId2"/>
+              </a:rPr>
+              <a:t>R包管理终极教程</a:t>
+            </a:r>
+          </a:p>
+          <a:p>
+            <a:pPr lvl="0" marL="0" indent="0">
+              <a:buNone/>
+            </a:pPr>
+            <a:r>
+              <a:rPr/>
+              <a:t>必须要安装的包(之前已安装了rmarkdown和tinytex)：</a:t>
+            </a:r>
+          </a:p>
+          <a:p>
+            <a:pPr lvl="0" indent="0">
+              <a:buNone/>
+            </a:pPr>
+            <a:r>
+              <a:rPr>
+                <a:solidFill>
+                  <a:srgbClr val="06287E"/>
+                </a:solidFill>
+                <a:latin typeface="Courier"/>
+              </a:rPr>
+              <a:t>install.packages</a:t>
+            </a:r>
+            <a:r>
+              <a:rPr>
+                <a:latin typeface="Courier"/>
+              </a:rPr>
+              <a:t>(</a:t>
+            </a:r>
+            <a:r>
+              <a:rPr>
+                <a:solidFill>
+                  <a:srgbClr val="06287E"/>
+                </a:solidFill>
+                <a:latin typeface="Courier"/>
+              </a:rPr>
+              <a:t>c</a:t>
+            </a:r>
+            <a:r>
+              <a:rPr>
+                <a:latin typeface="Courier"/>
+              </a:rPr>
+              <a:t>(</a:t>
+            </a:r>
+            <a:r>
+              <a:rPr>
+                <a:solidFill>
+                  <a:srgbClr val="4070A0"/>
+                </a:solidFill>
+                <a:latin typeface="Courier"/>
+              </a:rPr>
+              <a:t>"tidyverse"</a:t>
+            </a:r>
+            <a:r>
+              <a:rPr>
+                <a:latin typeface="Courier"/>
+              </a:rPr>
+              <a:t>, </a:t>
+            </a:r>
+            <a:r>
+              <a:rPr>
+                <a:solidFill>
+                  <a:srgbClr val="4070A0"/>
+                </a:solidFill>
+                <a:latin typeface="Courier"/>
+              </a:rPr>
+              <a:t>"pacman"</a:t>
+            </a:r>
+            <a:r>
+              <a:rPr>
+                <a:latin typeface="Courier"/>
+              </a:rPr>
+              <a:t>, </a:t>
+            </a:r>
+            <a:r>
+              <a:rPr>
+                <a:solidFill>
+                  <a:srgbClr val="4070A0"/>
+                </a:solidFill>
+                <a:latin typeface="Courier"/>
+              </a:rPr>
+              <a:t>"rticles"</a:t>
+            </a:r>
+            <a:r>
+              <a:rPr>
+                <a:latin typeface="Courier"/>
+              </a:rPr>
+              <a:t>, </a:t>
+            </a:r>
+            <a:r>
+              <a:rPr>
+                <a:solidFill>
+                  <a:srgbClr val="4070A0"/>
+                </a:solidFill>
+                <a:latin typeface="Courier"/>
+              </a:rPr>
+              <a:t>"pagedown"</a:t>
+            </a:r>
+            <a:r>
+              <a:rPr>
+                <a:latin typeface="Courier"/>
+              </a:rPr>
+              <a:t>, </a:t>
+            </a:r>
+            <a:r>
+              <a:rPr>
+                <a:solidFill>
+                  <a:srgbClr val="4070A0"/>
+                </a:solidFill>
+                <a:latin typeface="Courier"/>
+              </a:rPr>
+              <a:t>"bookdown"</a:t>
+            </a:r>
+            <a:r>
+              <a:rPr>
+                <a:latin typeface="Courier"/>
+              </a:rPr>
+              <a:t>, </a:t>
+            </a:r>
+            <a:r>
+              <a:rPr>
+                <a:solidFill>
+                  <a:srgbClr val="4070A0"/>
+                </a:solidFill>
+                <a:latin typeface="Courier"/>
+              </a:rPr>
+              <a:t>"reticulate"</a:t>
+            </a:r>
+            <a:r>
+              <a:rPr>
+                <a:latin typeface="Courier"/>
+              </a:rPr>
+              <a:t>, </a:t>
+            </a:r>
+            <a:r>
+              <a:rPr>
+                <a:solidFill>
+                  <a:srgbClr val="4070A0"/>
+                </a:solidFill>
+                <a:latin typeface="Courier"/>
+              </a:rPr>
+              <a:t>"kableExtra"</a:t>
+            </a:r>
+            <a:r>
+              <a:rPr>
+                <a:latin typeface="Courier"/>
+              </a:rPr>
+              <a:t>) )</a:t>
+            </a:r>
+          </a:p>
+        </p:txBody>
+      </p:sp>
+    </p:spTree>
+  </p:cSld>
+</p:sld>
+</file>
+
+<file path=ppt/slides/slide18.xml><?xml version="1.0" encoding="utf-8"?>
+<p:sld xmlns:a="http://schemas.openxmlformats.org/drawingml/2006/main" xmlns:r="http://schemas.openxmlformats.org/officeDocument/2006/relationships" xmlns:p="http://schemas.openxmlformats.org/presentationml/2006/main">
+  <p:cSld>
+    <p:spTree>
+      <p:nvGrpSpPr>
+        <p:cNvPr id="1" name=""/>
+        <p:cNvGrpSpPr/>
+        <p:nvPr/>
+      </p:nvGrpSpPr>
+      <p:grpSpPr>
+        <a:xfrm>
+          <a:off x="0" y="0"/>
+          <a:ext cx="0" cy="0"/>
+          <a:chOff x="0" y="0"/>
+          <a:chExt cx="0" cy="0"/>
+        </a:xfrm>
+      </p:grpSpPr>
+      <p:sp>
+        <p:nvSpPr>
+          <p:cNvPr id="11" name="Title 1">
+            <a:extLst>
+              <a:ext uri="{FF2B5EF4-FFF2-40B4-BE49-F238E27FC236}">
+                <a16:creationId xmlns:a16="http://schemas.microsoft.com/office/drawing/2014/main" id="{2391D614-6EEB-4C42-A746-C9FB67E11481}"/>
+              </a:ext>
+            </a:extLst>
+          </p:cNvPr>
+          <p:cNvSpPr>
+            <a:spLocks noGrp="1"/>
+          </p:cNvSpPr>
+          <p:nvPr>
+            <p:ph type="title"/>
+          </p:nvPr>
+        </p:nvSpPr>
+        <p:spPr>
+          <a:xfrm>
+            <a:off x="838198" y="362260"/>
+            <a:ext cx="8486957" cy="637553"/>
+          </a:xfrm>
+        </p:spPr>
+        <p:txBody>
+          <a:bodyPr/>
+          <a:lstStyle/>
+          <a:p>
+            <a:pPr lvl="0" marL="0" indent="0">
+              <a:buNone/>
+            </a:pPr>
+            <a:r>
+              <a:rPr/>
+              <a:t>加载包（library）</a:t>
+            </a:r>
+          </a:p>
+        </p:txBody>
+      </p:sp>
+      <p:sp>
+        <p:nvSpPr>
+          <p:cNvPr id="12" name="Content Placeholder 2">
+            <a:extLst>
+              <a:ext uri="{FF2B5EF4-FFF2-40B4-BE49-F238E27FC236}">
+                <a16:creationId xmlns:a16="http://schemas.microsoft.com/office/drawing/2014/main" id="{91E23ACD-CC52-4FE4-A28E-15DDE627EE00}"/>
+              </a:ext>
+            </a:extLst>
+          </p:cNvPr>
+          <p:cNvSpPr>
+            <a:spLocks noGrp="1"/>
+          </p:cNvSpPr>
+          <p:nvPr>
+            <p:ph idx="1"/>
+          </p:nvPr>
+        </p:nvSpPr>
+        <p:spPr/>
+        <p:txBody>
+          <a:bodyPr/>
+          <a:lstStyle/>
+          <a:p>
+            <a:pPr lvl="0" marL="0" indent="0">
+              <a:buNone/>
+            </a:pPr>
+            <a:r>
+              <a:rPr/>
+              <a:t>library为默认加载命令，只能加载一个包</a:t>
+            </a:r>
+          </a:p>
+          <a:p>
+            <a:pPr lvl="0" marL="0" indent="0">
+              <a:buNone/>
+            </a:pPr>
+            <a:r>
+              <a:rPr/>
+              <a:t>pacman安装好以后，可以一次加载多个包，强烈推荐</a:t>
+            </a:r>
+          </a:p>
+          <a:p>
+            <a:pPr lvl="0" marL="0" indent="0">
+              <a:buNone/>
+            </a:pPr>
+            <a:r>
+              <a:rPr/>
+              <a:t>关于“::”，该命令为在需要用某个函数时临时直接加载包，不用事先library，这样可以减轻系统负担。比如</a:t>
+            </a:r>
+            <a:r>
+              <a:rPr>
+                <a:latin typeface="Courier"/>
+              </a:rPr>
+              <a:t>pacman::p_load</a:t>
+            </a:r>
+            <a:r>
+              <a:rPr/>
+              <a:t>命令就是在未加载pacman这个包时，使用了其p_load命令。</a:t>
+            </a:r>
+          </a:p>
+          <a:p>
+            <a:pPr lvl="0" indent="0">
+              <a:buNone/>
+            </a:pPr>
+            <a:r>
+              <a:rPr>
+                <a:solidFill>
+                  <a:srgbClr val="06287E"/>
+                </a:solidFill>
+                <a:latin typeface="Courier"/>
+              </a:rPr>
+              <a:t>library</a:t>
+            </a:r>
+            <a:r>
+              <a:rPr>
+                <a:latin typeface="Courier"/>
+              </a:rPr>
+              <a:t>(tidyverse)</a:t>
+            </a:r>
+            <a:br/>
+            <a:r>
+              <a:rPr>
+                <a:solidFill>
+                  <a:srgbClr val="06287E"/>
+                </a:solidFill>
+                <a:latin typeface="Courier"/>
+              </a:rPr>
+              <a:t>library</a:t>
+            </a:r>
+            <a:r>
+              <a:rPr>
+                <a:latin typeface="Courier"/>
+              </a:rPr>
+              <a:t>(reticulate)</a:t>
+            </a:r>
+            <a:br/>
+            <a:r>
+              <a:rPr>
+                <a:solidFill>
+                  <a:srgbClr val="06287E"/>
+                </a:solidFill>
+                <a:latin typeface="Courier"/>
+              </a:rPr>
+              <a:t>library</a:t>
+            </a:r>
+            <a:r>
+              <a:rPr>
+                <a:latin typeface="Courier"/>
+              </a:rPr>
+              <a:t>(kableExtra)</a:t>
+            </a:r>
+            <a:br/>
+            <a:r>
+              <a:rPr i="1">
+                <a:solidFill>
+                  <a:srgbClr val="60A0B0"/>
+                </a:solidFill>
+                <a:latin typeface="Courier"/>
+              </a:rPr>
+              <a:t># OR</a:t>
+            </a:r>
+            <a:br/>
+            <a:r>
+              <a:rPr>
+                <a:latin typeface="Courier"/>
+              </a:rPr>
+              <a:t>pacman</a:t>
+            </a:r>
+            <a:r>
+              <a:rPr>
+                <a:solidFill>
+                  <a:srgbClr val="4070A0"/>
+                </a:solidFill>
+                <a:latin typeface="Courier"/>
+              </a:rPr>
+              <a:t>::</a:t>
+            </a:r>
+            <a:r>
+              <a:rPr>
+                <a:solidFill>
+                  <a:srgbClr val="06287E"/>
+                </a:solidFill>
+                <a:latin typeface="Courier"/>
+              </a:rPr>
+              <a:t>p_load</a:t>
+            </a:r>
+            <a:r>
+              <a:rPr>
+                <a:latin typeface="Courier"/>
+              </a:rPr>
+              <a:t>(tidyverse, reticulate, kableExtra) </a:t>
+            </a:r>
+            <a:r>
+              <a:rPr i="1">
+                <a:solidFill>
+                  <a:srgbClr val="60A0B0"/>
+                </a:solidFill>
+                <a:latin typeface="Courier"/>
+              </a:rPr>
+              <a:t># 如果其中有包未安装，则该条命令会安装并加载它</a:t>
+            </a:r>
+          </a:p>
+        </p:txBody>
+      </p:sp>
+    </p:spTree>
+  </p:cSld>
+</p:sld>
+</file>
+
+<file path=ppt/slides/slide19.xml><?xml version="1.0" encoding="utf-8"?>
+<p:sld xmlns:a="http://schemas.openxmlformats.org/drawingml/2006/main" xmlns:r="http://schemas.openxmlformats.org/officeDocument/2006/relationships" xmlns:p="http://schemas.openxmlformats.org/presentationml/2006/main">
+  <p:cSld>
+    <p:spTree>
+      <p:nvGrpSpPr>
+        <p:cNvPr id="1" name=""/>
+        <p:cNvGrpSpPr/>
+        <p:nvPr/>
+      </p:nvGrpSpPr>
+      <p:grpSpPr>
+        <a:xfrm>
+          <a:off x="0" y="0"/>
+          <a:ext cx="0" cy="0"/>
+          <a:chOff x="0" y="0"/>
+          <a:chExt cx="0" cy="0"/>
+        </a:xfrm>
+      </p:grpSpPr>
+      <p:sp>
+        <p:nvSpPr>
+          <p:cNvPr id="7" name="Title 1"/>
+          <p:cNvSpPr>
+            <a:spLocks noGrp="1"/>
+          </p:cNvSpPr>
+          <p:nvPr>
+            <p:ph type="ctrTitle"/>
+          </p:nvPr>
+        </p:nvSpPr>
+        <p:spPr>
+          <a:xfrm>
+            <a:off x="1783577" y="4036880"/>
+            <a:ext cx="8463639" cy="862715"/>
+          </a:xfrm>
+        </p:spPr>
+        <p:txBody>
+          <a:bodyPr/>
+          <a:lstStyle/>
+          <a:p>
+            <a:pPr lvl="0" marL="0" indent="0">
+              <a:buNone/>
+            </a:pPr>
+            <a:r>
+              <a:rPr/>
+              <a:t>课后作业</a:t>
+            </a:r>
+          </a:p>
+        </p:txBody>
+      </p:sp>
     </p:spTree>
   </p:cSld>
 </p:sld>
@@ -4137,6 +5197,145 @@
               <a:t>R Markdown的工作原理</a:t>
             </a:r>
           </a:p>
+          <a:p>
+            <a:pPr lvl="1"/>
+            <a:r>
+              <a:rPr>
+                <a:hlinkClick r:id="rId4" action="ppaction://hlinksldjump"/>
+              </a:rPr>
+              <a:t>R Markdown 文档的结构</a:t>
+            </a:r>
+          </a:p>
+          <a:p>
+            <a:pPr lvl="1"/>
+            <a:r>
+              <a:rPr>
+                <a:hlinkClick r:id="rId5" action="ppaction://hlinksldjump"/>
+              </a:rPr>
+              <a:t>R Markdown学术应用场景</a:t>
+            </a:r>
+          </a:p>
+          <a:p>
+            <a:pPr lvl="1"/>
+            <a:r>
+              <a:rPr>
+                <a:hlinkClick r:id="rId6" action="ppaction://hlinksldjump"/>
+              </a:rPr>
+              <a:t>Rstudio的安装、设置和包管理</a:t>
+            </a:r>
+          </a:p>
+          <a:p>
+            <a:pPr lvl="1"/>
+            <a:r>
+              <a:rPr>
+                <a:hlinkClick r:id="rId7" action="ppaction://hlinksldjump"/>
+              </a:rPr>
+              <a:t>课后作业</a:t>
+            </a:r>
+          </a:p>
+        </p:txBody>
+      </p:sp>
+    </p:spTree>
+  </p:cSld>
+</p:sld>
+</file>
+
+<file path=ppt/slides/slide20.xml><?xml version="1.0" encoding="utf-8"?>
+<p:sld xmlns:a="http://schemas.openxmlformats.org/drawingml/2006/main" xmlns:r="http://schemas.openxmlformats.org/officeDocument/2006/relationships" xmlns:p="http://schemas.openxmlformats.org/presentationml/2006/main">
+  <p:cSld>
+    <p:spTree>
+      <p:nvGrpSpPr>
+        <p:cNvPr id="1" name=""/>
+        <p:cNvGrpSpPr/>
+        <p:nvPr/>
+      </p:nvGrpSpPr>
+      <p:grpSpPr>
+        <a:xfrm>
+          <a:off x="0" y="0"/>
+          <a:ext cx="0" cy="0"/>
+          <a:chOff x="0" y="0"/>
+          <a:chExt cx="0" cy="0"/>
+        </a:xfrm>
+      </p:grpSpPr>
+      <p:sp>
+        <p:nvSpPr>
+          <p:cNvPr id="11" name="Title 1">
+            <a:extLst>
+              <a:ext uri="{FF2B5EF4-FFF2-40B4-BE49-F238E27FC236}">
+                <a16:creationId xmlns:a16="http://schemas.microsoft.com/office/drawing/2014/main" id="{2391D614-6EEB-4C42-A746-C9FB67E11481}"/>
+              </a:ext>
+            </a:extLst>
+          </p:cNvPr>
+          <p:cNvSpPr>
+            <a:spLocks noGrp="1"/>
+          </p:cNvSpPr>
+          <p:nvPr>
+            <p:ph type="title"/>
+          </p:nvPr>
+        </p:nvSpPr>
+        <p:spPr>
+          <a:xfrm>
+            <a:off x="838198" y="362260"/>
+            <a:ext cx="8486957" cy="637553"/>
+          </a:xfrm>
+        </p:spPr>
+        <p:txBody>
+          <a:bodyPr/>
+          <a:lstStyle/>
+          <a:p>
+            <a:pPr lvl="0" marL="0" indent="0">
+              <a:buNone/>
+            </a:pPr>
+            <a:r>
+              <a:rPr/>
+              <a:t>课后作业</a:t>
+            </a:r>
+          </a:p>
+        </p:txBody>
+      </p:sp>
+      <p:sp>
+        <p:nvSpPr>
+          <p:cNvPr id="12" name="Content Placeholder 2">
+            <a:extLst>
+              <a:ext uri="{FF2B5EF4-FFF2-40B4-BE49-F238E27FC236}">
+                <a16:creationId xmlns:a16="http://schemas.microsoft.com/office/drawing/2014/main" id="{91E23ACD-CC52-4FE4-A28E-15DDE627EE00}"/>
+              </a:ext>
+            </a:extLst>
+          </p:cNvPr>
+          <p:cNvSpPr>
+            <a:spLocks noGrp="1"/>
+          </p:cNvSpPr>
+          <p:nvPr>
+            <p:ph idx="1"/>
+          </p:nvPr>
+        </p:nvSpPr>
+        <p:spPr/>
+        <p:txBody>
+          <a:bodyPr/>
+          <a:lstStyle/>
+          <a:p>
+            <a:pPr lvl="0" marL="0" indent="0">
+              <a:buNone/>
+            </a:pPr>
+            <a:r>
+              <a:rPr/>
+              <a:t>安装好rmarkdown和tinytex包</a:t>
+            </a:r>
+          </a:p>
+          <a:p>
+            <a:pPr lvl="1"/>
+            <a:r>
+              <a:rPr/>
+              <a:t>新建一个R Markdown notebook文档，只输入英文</a:t>
+            </a:r>
+          </a:p>
+          <a:p>
+            <a:pPr lvl="1"/>
+            <a:r>
+              <a:rPr/>
+              <a:t>分别生成html和pdf文件</a:t>
+            </a:r>
+          </a:p>
         </p:txBody>
       </p:sp>
     </p:spTree>
@@ -4677,10 +5876,10 @@
       </p:grpSpPr>
       <p:sp>
         <p:nvSpPr>
-          <p:cNvPr id="11" name="Title 1">
+          <p:cNvPr id="10" name="Title 1">
             <a:extLst>
               <a:ext uri="{FF2B5EF4-FFF2-40B4-BE49-F238E27FC236}">
-                <a16:creationId xmlns:a16="http://schemas.microsoft.com/office/drawing/2014/main" id="{2391D614-6EEB-4C42-A746-C9FB67E11481}"/>
+                <a16:creationId xmlns:a16="http://schemas.microsoft.com/office/drawing/2014/main" id="{050EE65B-BFB1-4F4A-95CD-5BFFD20D2B65}"/>
               </a:ext>
             </a:extLst>
           </p:cNvPr>
@@ -4693,8 +5892,8 @@
         </p:nvSpPr>
         <p:spPr>
           <a:xfrm>
-            <a:off x="838198" y="362260"/>
-            <a:ext cx="8486957" cy="637553"/>
+            <a:off x="670056" y="164582"/>
+            <a:ext cx="7811335" cy="969455"/>
           </a:xfrm>
         </p:spPr>
         <p:txBody>
@@ -4719,20 +5918,100 @@
           </a:p>
         </p:txBody>
       </p:sp>
-      <p:sp>
-        <p:nvSpPr>
-          <p:cNvPr id="12" name="Content Placeholder 2">
-            <a:extLst>
-              <a:ext uri="{FF2B5EF4-FFF2-40B4-BE49-F238E27FC236}">
-                <a16:creationId xmlns:a16="http://schemas.microsoft.com/office/drawing/2014/main" id="{91E23ACD-CC52-4FE4-A28E-15DDE627EE00}"/>
-              </a:ext>
-            </a:extLst>
-          </p:cNvPr>
-          <p:cNvSpPr>
-            <a:spLocks noGrp="1"/>
-          </p:cNvSpPr>
-          <p:nvPr>
-            <p:ph idx="1"/>
+      <p:pic>
+        <p:nvPicPr>
+          <p:cNvPr descr="images/rmd_flow.png" id="0" name="Picture 1"/>
+          <p:cNvPicPr>
+            <a:picLocks noGrp="1" noChangeAspect="1"/>
+          </p:cNvPicPr>
+          <p:nvPr/>
+        </p:nvPicPr>
+        <p:blipFill>
+          <a:blip r:embed="rId2"/>
+          <a:stretch>
+            <a:fillRect/>
+          </a:stretch>
+        </p:blipFill>
+        <p:spPr bwMode="auto">
+          <a:xfrm>
+            <a:off x="1473200" y="1524000"/>
+            <a:ext cx="3175000" cy="4178300"/>
+          </a:xfrm>
+          <a:prstGeom prst="rect">
+            <a:avLst/>
+          </a:prstGeom>
+          <a:noFill/>
+          <a:ln w="9525">
+            <a:noFill/>
+            <a:headEnd/>
+            <a:tailEnd/>
+          </a:ln>
+        </p:spPr>
+      </p:pic>
+      <p:sp>
+        <p:nvSpPr>
+          <p:cNvPr id="1" name="TextBox 3"/>
+          <p:cNvSpPr txBox="1"/>
+          <p:nvPr/>
+        </p:nvSpPr>
+        <p:spPr>
+          <a:xfrm>
+            <a:off x="660400" y="5702300"/>
+            <a:ext cx="4800600" cy="508000"/>
+          </a:xfrm>
+          <a:prstGeom prst="rect">
+            <a:avLst/>
+          </a:prstGeom>
+          <a:noFill/>
+        </p:spPr>
+        <p:txBody>
+          <a:bodyPr/>
+          <a:lstStyle/>
+          <a:p>
+            <a:pPr lvl="0" marL="0" indent="0" algn="ctr">
+              <a:buNone/>
+            </a:pPr>
+            <a:r>
+              <a:rPr>
+                <a:hlinkClick r:id="rId3"/>
+              </a:rPr>
+              <a:t>R</a:t>
+            </a:r>
+            <a:r>
+              <a:rPr>
+                <a:hlinkClick r:id="rId4"/>
+              </a:rPr>
+              <a:t> </a:t>
+            </a:r>
+            <a:r>
+              <a:rPr>
+                <a:hlinkClick r:id="rId5"/>
+              </a:rPr>
+              <a:t>Markdown</a:t>
+            </a:r>
+            <a:r>
+              <a:rPr>
+                <a:hlinkClick r:id="rId6"/>
+              </a:rPr>
+              <a:t> </a:t>
+            </a:r>
+            <a:r>
+              <a:rPr>
+                <a:hlinkClick r:id="rId7"/>
+              </a:rPr>
+              <a:t>Workflow</a:t>
+            </a:r>
+          </a:p>
+        </p:txBody>
+      </p:sp>
+      <p:sp>
+        <p:nvSpPr>
+          <p:cNvPr id="4" name="Content Placeholder 3"/>
+          <p:cNvSpPr>
+            <a:spLocks noGrp="1"/>
+          </p:cNvSpPr>
+          <p:nvPr>
+            <p:ph sz="half" idx="2"/>
           </p:nvPr>
         </p:nvSpPr>
         <p:spPr/>
@@ -4746,6 +6025,13 @@
             <a:r>
               <a:rPr/>
               <a:t>R Markdown 主要依赖两个包来运行和输出（knitr and Pandoc）</a:t>
+            </a:r>
+          </a:p>
+          <a:p>
+            <a:pPr lvl="1"/>
+            <a:r>
+              <a:rPr/>
+              <a:t>R Markdown stands on the shoulders of knitr and Pandoc.</a:t>
             </a:r>
           </a:p>
           <a:p>
@@ -4791,62 +6077,302 @@
           <a:chExt cx="0" cy="0"/>
         </a:xfrm>
       </p:grpSpPr>
-      <p:pic>
-        <p:nvPicPr>
-          <p:cNvPr descr="images/rmd_flow.png" id="0" name="Picture 1"/>
-          <p:cNvPicPr>
-            <a:picLocks noGrp="1" noChangeAspect="1"/>
-          </p:cNvPicPr>
-          <p:nvPr/>
-        </p:nvPicPr>
-        <p:blipFill>
-          <a:blip r:embed="rId2"/>
-          <a:stretch>
-            <a:fillRect/>
-          </a:stretch>
-        </p:blipFill>
-        <p:spPr bwMode="auto">
-          <a:xfrm>
-            <a:off x="825500" y="2463800"/>
-            <a:ext cx="10858500" cy="2197100"/>
-          </a:xfrm>
-          <a:prstGeom prst="rect">
-            <a:avLst/>
-          </a:prstGeom>
-          <a:noFill/>
-          <a:ln w="9525">
-            <a:noFill/>
-            <a:headEnd/>
-            <a:tailEnd/>
-          </a:ln>
-        </p:spPr>
-      </p:pic>
-      <p:sp>
-        <p:nvSpPr>
-          <p:cNvPr id="1" name="TextBox 3"/>
-          <p:cNvSpPr txBox="1"/>
-          <p:nvPr/>
-        </p:nvSpPr>
-        <p:spPr>
-          <a:xfrm>
-            <a:off x="825500" y="5651500"/>
-            <a:ext cx="10858500" cy="508000"/>
-          </a:xfrm>
-          <a:prstGeom prst="rect">
-            <a:avLst/>
-          </a:prstGeom>
-          <a:noFill/>
-        </p:spPr>
-        <p:txBody>
-          <a:bodyPr/>
-          <a:lstStyle/>
-          <a:p>
-            <a:pPr lvl="0" marL="0" indent="0" algn="ctr">
+      <p:sp>
+        <p:nvSpPr>
+          <p:cNvPr id="11" name="Title 1">
+            <a:extLst>
+              <a:ext uri="{FF2B5EF4-FFF2-40B4-BE49-F238E27FC236}">
+                <a16:creationId xmlns:a16="http://schemas.microsoft.com/office/drawing/2014/main" id="{2391D614-6EEB-4C42-A746-C9FB67E11481}"/>
+              </a:ext>
+            </a:extLst>
+          </p:cNvPr>
+          <p:cNvSpPr>
+            <a:spLocks noGrp="1"/>
+          </p:cNvSpPr>
+          <p:nvPr>
+            <p:ph type="title"/>
+          </p:nvPr>
+        </p:nvSpPr>
+        <p:spPr>
+          <a:xfrm>
+            <a:off x="838198" y="362260"/>
+            <a:ext cx="8486957" cy="637553"/>
+          </a:xfrm>
+        </p:spPr>
+        <p:txBody>
+          <a:bodyPr/>
+          <a:lstStyle/>
+          <a:p>
+            <a:pPr lvl="0" marL="0" indent="0">
               <a:buNone/>
             </a:pPr>
             <a:r>
               <a:rPr/>
-              <a:t>workflow</a:t>
+              <a:t>R</a:t>
+            </a:r>
+            <a:r>
+              <a:rPr/>
+              <a:t> </a:t>
+            </a:r>
+            <a:r>
+              <a:rPr/>
+              <a:t>Markdown基础包安装</a:t>
+            </a:r>
+          </a:p>
+        </p:txBody>
+      </p:sp>
+      <p:sp>
+        <p:nvSpPr>
+          <p:cNvPr id="12" name="Content Placeholder 2">
+            <a:extLst>
+              <a:ext uri="{FF2B5EF4-FFF2-40B4-BE49-F238E27FC236}">
+                <a16:creationId xmlns:a16="http://schemas.microsoft.com/office/drawing/2014/main" id="{91E23ACD-CC52-4FE4-A28E-15DDE627EE00}"/>
+              </a:ext>
+            </a:extLst>
+          </p:cNvPr>
+          <p:cNvSpPr>
+            <a:spLocks noGrp="1"/>
+          </p:cNvSpPr>
+          <p:nvPr>
+            <p:ph idx="1"/>
+          </p:nvPr>
+        </p:nvSpPr>
+        <p:spPr/>
+        <p:txBody>
+          <a:bodyPr/>
+          <a:lstStyle/>
+          <a:p>
+            <a:pPr lvl="0" marL="0" indent="0">
+              <a:buNone/>
+            </a:pPr>
+            <a:r>
+              <a:rPr/>
+              <a:t>html和pdf是R Markdown输出最基础的格式，html相对简单</a:t>
+            </a:r>
+          </a:p>
+          <a:p>
+            <a:pPr lvl="0" marL="0" indent="0">
+              <a:buNone/>
+            </a:pPr>
+            <a:r>
+              <a:rPr/>
+              <a:t>pdf格式的输出需要TeX，TeX Live、MiKTeX等(~5Gb大小)TeX工具包的安装是繁重而</a:t>
+            </a:r>
+            <a:r>
+              <a:rPr>
+                <a:hlinkClick r:id="rId2"/>
+              </a:rPr>
+              <a:t>痛苦</a:t>
+            </a:r>
+          </a:p>
+          <a:p>
+            <a:pPr lvl="0" marL="0" indent="0">
+              <a:buNone/>
+            </a:pPr>
+            <a:r>
+              <a:rPr b="1"/>
+              <a:t>tinytex告别了繁琐的安装</a:t>
+            </a:r>
+          </a:p>
+          <a:p>
+            <a:pPr lvl="0" indent="0">
+              <a:buNone/>
+            </a:pPr>
+            <a:r>
+              <a:rPr>
+                <a:solidFill>
+                  <a:srgbClr val="06287E"/>
+                </a:solidFill>
+                <a:latin typeface="Courier"/>
+              </a:rPr>
+              <a:t>install.packages</a:t>
+            </a:r>
+            <a:r>
+              <a:rPr>
+                <a:latin typeface="Courier"/>
+              </a:rPr>
+              <a:t>(</a:t>
+            </a:r>
+            <a:r>
+              <a:rPr>
+                <a:solidFill>
+                  <a:srgbClr val="4070A0"/>
+                </a:solidFill>
+                <a:latin typeface="Courier"/>
+              </a:rPr>
+              <a:t>'rmarkdown'</a:t>
+            </a:r>
+            <a:r>
+              <a:rPr>
+                <a:latin typeface="Courier"/>
+              </a:rPr>
+              <a:t>)</a:t>
+            </a:r>
+            <a:br/>
+            <a:r>
+              <a:rPr>
+                <a:solidFill>
+                  <a:srgbClr val="06287E"/>
+                </a:solidFill>
+                <a:latin typeface="Courier"/>
+              </a:rPr>
+              <a:t>install.packages</a:t>
+            </a:r>
+            <a:r>
+              <a:rPr>
+                <a:latin typeface="Courier"/>
+              </a:rPr>
+              <a:t>(</a:t>
+            </a:r>
+            <a:r>
+              <a:rPr>
+                <a:solidFill>
+                  <a:srgbClr val="4070A0"/>
+                </a:solidFill>
+                <a:latin typeface="Courier"/>
+              </a:rPr>
+              <a:t>'tinytex'</a:t>
+            </a:r>
+            <a:r>
+              <a:rPr>
+                <a:latin typeface="Courier"/>
+              </a:rPr>
+              <a:t>)</a:t>
+            </a:r>
+            <a:br/>
+            <a:r>
+              <a:rPr>
+                <a:latin typeface="Courier"/>
+              </a:rPr>
+              <a:t>tinytex</a:t>
+            </a:r>
+            <a:r>
+              <a:rPr>
+                <a:solidFill>
+                  <a:srgbClr val="4070A0"/>
+                </a:solidFill>
+                <a:latin typeface="Courier"/>
+              </a:rPr>
+              <a:t>::</a:t>
+            </a:r>
+            <a:r>
+              <a:rPr>
+                <a:solidFill>
+                  <a:srgbClr val="06287E"/>
+                </a:solidFill>
+                <a:latin typeface="Courier"/>
+              </a:rPr>
+              <a:t>tlmgr_repo</a:t>
+            </a:r>
+            <a:r>
+              <a:rPr>
+                <a:latin typeface="Courier"/>
+              </a:rPr>
+              <a:t>(</a:t>
+            </a:r>
+            <a:r>
+              <a:rPr>
+                <a:solidFill>
+                  <a:srgbClr val="4070A0"/>
+                </a:solidFill>
+                <a:latin typeface="Courier"/>
+              </a:rPr>
+              <a:t>'https://mirrors.tuna.tsinghua.edu.cn/CTAN/'</a:t>
+            </a:r>
+            <a:r>
+              <a:rPr>
+                <a:latin typeface="Courier"/>
+              </a:rPr>
+              <a:t>) </a:t>
+            </a:r>
+            <a:r>
+              <a:rPr i="1">
+                <a:solidFill>
+                  <a:srgbClr val="60A0B0"/>
+                </a:solidFill>
+                <a:latin typeface="Courier"/>
+              </a:rPr>
+              <a:t>#国内镜像</a:t>
+            </a:r>
+            <a:br/>
+            <a:r>
+              <a:rPr>
+                <a:latin typeface="Courier"/>
+              </a:rPr>
+              <a:t>tinytex</a:t>
+            </a:r>
+            <a:r>
+              <a:rPr>
+                <a:solidFill>
+                  <a:srgbClr val="4070A0"/>
+                </a:solidFill>
+                <a:latin typeface="Courier"/>
+              </a:rPr>
+              <a:t>::</a:t>
+            </a:r>
+            <a:r>
+              <a:rPr>
+                <a:solidFill>
+                  <a:srgbClr val="06287E"/>
+                </a:solidFill>
+                <a:latin typeface="Courier"/>
+              </a:rPr>
+              <a:t>install_tinytex</a:t>
+            </a:r>
+            <a:r>
+              <a:rPr>
+                <a:latin typeface="Courier"/>
+              </a:rPr>
+              <a:t>()  </a:t>
+            </a:r>
+            <a:r>
+              <a:rPr i="1">
+                <a:solidFill>
+                  <a:srgbClr val="60A0B0"/>
+                </a:solidFill>
+                <a:latin typeface="Courier"/>
+              </a:rPr>
+              <a:t># install TinyTeX</a:t>
+            </a:r>
+            <a:br/>
+            <a:r>
+              <a:rPr>
+                <a:latin typeface="Courier"/>
+              </a:rPr>
+              <a:t>tinytex</a:t>
+            </a:r>
+            <a:r>
+              <a:rPr>
+                <a:solidFill>
+                  <a:srgbClr val="4070A0"/>
+                </a:solidFill>
+                <a:latin typeface="Courier"/>
+              </a:rPr>
+              <a:t>::</a:t>
+            </a:r>
+            <a:r>
+              <a:rPr>
+                <a:solidFill>
+                  <a:srgbClr val="06287E"/>
+                </a:solidFill>
+                <a:latin typeface="Courier"/>
+              </a:rPr>
+              <a:t>is_tinytex</a:t>
+            </a:r>
+            <a:r>
+              <a:rPr>
+                <a:latin typeface="Courier"/>
+              </a:rPr>
+              <a:t>() </a:t>
+            </a:r>
+            <a:r>
+              <a:rPr i="1">
+                <a:solidFill>
+                  <a:srgbClr val="60A0B0"/>
+                </a:solidFill>
+                <a:latin typeface="Courier"/>
+              </a:rPr>
+              <a:t># 安装成功返回TURE，必须检测</a:t>
             </a:r>
           </a:p>
         </p:txBody>
@@ -4904,179 +6430,69 @@
             </a:pPr>
             <a:r>
               <a:rPr/>
-              <a:t>R</a:t>
-            </a:r>
-            <a:r>
-              <a:rPr/>
-              <a:t> </a:t>
-            </a:r>
-            <a:r>
-              <a:rPr/>
-              <a:t>Markdown基础包安装</a:t>
-            </a:r>
-          </a:p>
-        </p:txBody>
-      </p:sp>
-      <p:sp>
-        <p:nvSpPr>
-          <p:cNvPr id="12" name="Content Placeholder 2">
-            <a:extLst>
-              <a:ext uri="{FF2B5EF4-FFF2-40B4-BE49-F238E27FC236}">
-                <a16:creationId xmlns:a16="http://schemas.microsoft.com/office/drawing/2014/main" id="{91E23ACD-CC52-4FE4-A28E-15DDE627EE00}"/>
-              </a:ext>
-            </a:extLst>
-          </p:cNvPr>
-          <p:cNvSpPr>
-            <a:spLocks noGrp="1"/>
-          </p:cNvSpPr>
-          <p:nvPr>
-            <p:ph idx="1"/>
-          </p:nvPr>
-        </p:nvSpPr>
-        <p:spPr/>
-        <p:txBody>
-          <a:bodyPr/>
-          <a:lstStyle/>
-          <a:p>
-            <a:pPr lvl="0" marL="0" indent="0">
+              <a:t>点击knit按钮时发生了什么-1</a:t>
+            </a:r>
+          </a:p>
+        </p:txBody>
+      </p:sp>
+      <p:pic>
+        <p:nvPicPr>
+          <p:cNvPr descr="images/knit_rm.png" id="0" name="Picture 1"/>
+          <p:cNvPicPr>
+            <a:picLocks noGrp="1" noChangeAspect="1"/>
+          </p:cNvPicPr>
+          <p:nvPr/>
+        </p:nvPicPr>
+        <p:blipFill>
+          <a:blip r:embed="rId2"/>
+          <a:stretch>
+            <a:fillRect/>
+          </a:stretch>
+        </p:blipFill>
+        <p:spPr bwMode="auto">
+          <a:xfrm>
+            <a:off x="2552700" y="1485900"/>
+            <a:ext cx="7404100" cy="4165600"/>
+          </a:xfrm>
+          <a:prstGeom prst="rect">
+            <a:avLst/>
+          </a:prstGeom>
+          <a:noFill/>
+          <a:ln w="9525">
+            <a:noFill/>
+            <a:headEnd/>
+            <a:tailEnd/>
+          </a:ln>
+        </p:spPr>
+      </p:pic>
+      <p:sp>
+        <p:nvSpPr>
+          <p:cNvPr id="1" name="TextBox 3"/>
+          <p:cNvSpPr txBox="1"/>
+          <p:nvPr/>
+        </p:nvSpPr>
+        <p:spPr>
+          <a:xfrm>
+            <a:off x="825500" y="5651500"/>
+            <a:ext cx="10858500" cy="508000"/>
+          </a:xfrm>
+          <a:prstGeom prst="rect">
+            <a:avLst/>
+          </a:prstGeom>
+          <a:noFill/>
+        </p:spPr>
+        <p:txBody>
+          <a:bodyPr/>
+          <a:lstStyle/>
+          <a:p>
+            <a:pPr lvl="0" marL="0" indent="0" algn="ctr">
               <a:buNone/>
             </a:pPr>
             <a:r>
-              <a:rPr/>
-              <a:t>html和pdf是R Markdown输出最基础的格式，html相对简单</a:t>
-            </a:r>
-          </a:p>
-          <a:p>
-            <a:pPr lvl="0" marL="0" indent="0">
-              <a:buNone/>
-            </a:pPr>
-            <a:r>
-              <a:rPr/>
-              <a:t>pdf格式的输出需要tinytex，这个包同样是谢益辉在维护</a:t>
-            </a:r>
-          </a:p>
-          <a:p>
-            <a:pPr lvl="0" marL="0" indent="0">
-              <a:buNone/>
-            </a:pPr>
-            <a:r>
-              <a:rPr/>
-              <a:t>TeX Live、Ctex等TeX工具包的安装是繁重而痛苦的</a:t>
-            </a:r>
-          </a:p>
-          <a:p>
-            <a:pPr lvl="0" marL="0" indent="0">
-              <a:buNone/>
-            </a:pPr>
-            <a:r>
-              <a:rPr b="1"/>
-              <a:t>tinytex告别了繁琐的安装</a:t>
-            </a:r>
-          </a:p>
-          <a:p>
-            <a:pPr lvl="0" indent="0">
-              <a:buNone/>
-            </a:pPr>
-            <a:r>
-              <a:rPr>
-                <a:solidFill>
-                  <a:srgbClr val="06287E"/>
-                </a:solidFill>
-                <a:latin typeface="Courier"/>
-              </a:rPr>
-              <a:t>install.packages</a:t>
-            </a:r>
-            <a:r>
-              <a:rPr>
-                <a:latin typeface="Courier"/>
-              </a:rPr>
-              <a:t>(</a:t>
-            </a:r>
-            <a:r>
-              <a:rPr>
-                <a:solidFill>
-                  <a:srgbClr val="4070A0"/>
-                </a:solidFill>
-                <a:latin typeface="Courier"/>
-              </a:rPr>
-              <a:t>'rmarkdown'</a:t>
-            </a:r>
-            <a:r>
-              <a:rPr>
-                <a:latin typeface="Courier"/>
-              </a:rPr>
-              <a:t>)</a:t>
-            </a:r>
-            <a:br/>
-            <a:r>
-              <a:rPr>
-                <a:solidFill>
-                  <a:srgbClr val="06287E"/>
-                </a:solidFill>
-                <a:latin typeface="Courier"/>
-              </a:rPr>
-              <a:t>install.packages</a:t>
-            </a:r>
-            <a:r>
-              <a:rPr>
-                <a:latin typeface="Courier"/>
-              </a:rPr>
-              <a:t>(</a:t>
-            </a:r>
-            <a:r>
-              <a:rPr>
-                <a:solidFill>
-                  <a:srgbClr val="4070A0"/>
-                </a:solidFill>
-                <a:latin typeface="Courier"/>
-              </a:rPr>
-              <a:t>'tinytex'</a:t>
-            </a:r>
-            <a:r>
-              <a:rPr>
-                <a:latin typeface="Courier"/>
-              </a:rPr>
-              <a:t>)</a:t>
-            </a:r>
-            <a:br/>
-            <a:r>
-              <a:rPr>
-                <a:latin typeface="Courier"/>
-              </a:rPr>
-              <a:t>tinytex</a:t>
-            </a:r>
-            <a:r>
-              <a:rPr>
-                <a:solidFill>
-                  <a:srgbClr val="4070A0"/>
-                </a:solidFill>
-                <a:latin typeface="Courier"/>
-              </a:rPr>
-              <a:t>::</a:t>
-            </a:r>
-            <a:r>
-              <a:rPr>
-                <a:solidFill>
-                  <a:srgbClr val="06287E"/>
-                </a:solidFill>
-                <a:latin typeface="Courier"/>
-              </a:rPr>
-              <a:t>install_tinytex</a:t>
-            </a:r>
-            <a:r>
-              <a:rPr>
-                <a:latin typeface="Courier"/>
-              </a:rPr>
-              <a:t>()  </a:t>
-            </a:r>
-            <a:r>
-              <a:rPr i="1">
-                <a:solidFill>
-                  <a:srgbClr val="60A0B0"/>
-                </a:solidFill>
-                <a:latin typeface="Courier"/>
-              </a:rPr>
-              <a:t># install TinyTeX</a:t>
+              <a:rPr>
+                <a:hlinkClick r:id="rId3"/>
+              </a:rPr>
+              <a:t>Rmd文档点击knit按钮时</a:t>
             </a:r>
           </a:p>
         </p:txBody>
